--- a/uflorida2019/images/efforts.pptx
+++ b/uflorida2019/images/efforts.pptx
@@ -5,9 +5,20 @@
     <p:sldMasterId id="2147483648" r:id="rId1"/>
   </p:sldMasterIdLst>
   <p:sldIdLst>
-    <p:sldId id="256" r:id="rId2"/>
-    <p:sldId id="257" r:id="rId3"/>
-    <p:sldId id="258" r:id="rId4"/>
+    <p:sldId id="258" r:id="rId2"/>
+    <p:sldId id="265" r:id="rId3"/>
+    <p:sldId id="266" r:id="rId4"/>
+    <p:sldId id="260" r:id="rId5"/>
+    <p:sldId id="261" r:id="rId6"/>
+    <p:sldId id="267" r:id="rId7"/>
+    <p:sldId id="262" r:id="rId8"/>
+    <p:sldId id="268" r:id="rId9"/>
+    <p:sldId id="269" r:id="rId10"/>
+    <p:sldId id="263" r:id="rId11"/>
+    <p:sldId id="270" r:id="rId12"/>
+    <p:sldId id="264" r:id="rId13"/>
+    <p:sldId id="271" r:id="rId14"/>
+    <p:sldId id="272" r:id="rId15"/>
   </p:sldIdLst>
   <p:sldSz cx="12192000" cy="6858000"/>
   <p:notesSz cx="6858000" cy="9144000"/>
@@ -106,6 +117,11 @@
       </a:defRPr>
     </a:lvl9pPr>
   </p:defaultTextStyle>
+  <p:extLst>
+    <p:ext uri="{EFAFB233-063F-42B5-8137-9DF3F51BA10A}">
+      <p15:sldGuideLst xmlns:p15="http://schemas.microsoft.com/office/powerpoint/2012/main"/>
+    </p:ext>
+  </p:extLst>
 </p:presentation>
 </file>
 
@@ -3325,10 +3341,174 @@
       </p:grpSpPr>
       <p:sp>
         <p:nvSpPr>
-          <p:cNvPr id="4" name="Oval 3">
-            <a:extLst>
-              <a:ext uri="{FF2B5EF4-FFF2-40B4-BE49-F238E27FC236}">
-                <a16:creationId xmlns:a16="http://schemas.microsoft.com/office/drawing/2014/main" id="{CC1A6AD5-C38C-D441-B040-A7989BACF39A}"/>
+          <p:cNvPr id="2" name="TextBox 1">
+            <a:extLst>
+              <a:ext uri="{FF2B5EF4-FFF2-40B4-BE49-F238E27FC236}">
+                <a16:creationId xmlns:a16="http://schemas.microsoft.com/office/drawing/2014/main" id="{DEABC638-DCEA-5042-A993-1B433E63546F}"/>
+              </a:ext>
+            </a:extLst>
+          </p:cNvPr>
+          <p:cNvSpPr txBox="1"/>
+          <p:nvPr/>
+        </p:nvSpPr>
+        <p:spPr>
+          <a:xfrm>
+            <a:off x="1275008" y="828676"/>
+            <a:ext cx="6368805" cy="5653642"/>
+          </a:xfrm>
+          <a:prstGeom prst="rect">
+            <a:avLst/>
+          </a:prstGeom>
+          <a:noFill/>
+        </p:spPr>
+        <p:txBody>
+          <a:bodyPr wrap="square" rtlCol="0">
+            <a:spAutoFit/>
+          </a:bodyPr>
+          <a:lstStyle/>
+          <a:p>
+            <a:r>
+              <a:rPr lang="en-US" sz="8800" dirty="0">
+                <a:solidFill>
+                  <a:srgbClr val="FF0000"/>
+                </a:solidFill>
+                <a:latin typeface="Consolas" panose="020B0609020204030204" pitchFamily="49" charset="0"/>
+                <a:cs typeface="Consolas" panose="020B0609020204030204" pitchFamily="49" charset="0"/>
+              </a:rPr>
+              <a:t>F</a:t>
+            </a:r>
+            <a:r>
+              <a:rPr lang="en-US" sz="6500" dirty="0">
+                <a:latin typeface="Consolas" panose="020B0609020204030204" pitchFamily="49" charset="0"/>
+                <a:cs typeface="Consolas" panose="020B0609020204030204" pitchFamily="49" charset="0"/>
+              </a:rPr>
+              <a:t>indable</a:t>
+            </a:r>
+          </a:p>
+          <a:p>
+            <a:r>
+              <a:rPr lang="en-US" sz="9600" dirty="0">
+                <a:solidFill>
+                  <a:srgbClr val="FF0000"/>
+                </a:solidFill>
+                <a:latin typeface="Consolas" panose="020B0609020204030204" pitchFamily="49" charset="0"/>
+                <a:cs typeface="Consolas" panose="020B0609020204030204" pitchFamily="49" charset="0"/>
+              </a:rPr>
+              <a:t>A</a:t>
+            </a:r>
+            <a:r>
+              <a:rPr lang="en-US" sz="6600" dirty="0">
+                <a:latin typeface="Consolas" panose="020B0609020204030204" pitchFamily="49" charset="0"/>
+                <a:cs typeface="Consolas" panose="020B0609020204030204" pitchFamily="49" charset="0"/>
+              </a:rPr>
+              <a:t>ccessible</a:t>
+            </a:r>
+          </a:p>
+          <a:p>
+            <a:r>
+              <a:rPr lang="en-US" sz="8800" dirty="0">
+                <a:solidFill>
+                  <a:srgbClr val="FF0000"/>
+                </a:solidFill>
+                <a:latin typeface="Consolas" panose="020B0609020204030204" pitchFamily="49" charset="0"/>
+                <a:cs typeface="Consolas" panose="020B0609020204030204" pitchFamily="49" charset="0"/>
+              </a:rPr>
+              <a:t>I</a:t>
+            </a:r>
+            <a:r>
+              <a:rPr lang="en-US" sz="6500" dirty="0">
+                <a:latin typeface="Consolas" panose="020B0609020204030204" pitchFamily="49" charset="0"/>
+                <a:cs typeface="Consolas" panose="020B0609020204030204" pitchFamily="49" charset="0"/>
+              </a:rPr>
+              <a:t>nteroperable</a:t>
+            </a:r>
+          </a:p>
+          <a:p>
+            <a:r>
+              <a:rPr lang="en-US" sz="8800" dirty="0">
+                <a:solidFill>
+                  <a:srgbClr val="FF0000"/>
+                </a:solidFill>
+                <a:latin typeface="Consolas" panose="020B0609020204030204" pitchFamily="49" charset="0"/>
+                <a:cs typeface="Consolas" panose="020B0609020204030204" pitchFamily="49" charset="0"/>
+              </a:rPr>
+              <a:t>R</a:t>
+            </a:r>
+            <a:r>
+              <a:rPr lang="en-US" sz="6500" dirty="0">
+                <a:latin typeface="Consolas" panose="020B0609020204030204" pitchFamily="49" charset="0"/>
+                <a:cs typeface="Consolas" panose="020B0609020204030204" pitchFamily="49" charset="0"/>
+              </a:rPr>
+              <a:t>eusable</a:t>
+            </a:r>
+          </a:p>
+        </p:txBody>
+      </p:sp>
+    </p:spTree>
+    <p:extLst>
+      <p:ext uri="{BB962C8B-B14F-4D97-AF65-F5344CB8AC3E}">
+        <p14:creationId xmlns:p14="http://schemas.microsoft.com/office/powerpoint/2010/main" val="47078233"/>
+      </p:ext>
+    </p:extLst>
+  </p:cSld>
+  <p:clrMapOvr>
+    <a:masterClrMapping/>
+  </p:clrMapOvr>
+</p:sld>
+</file>
+
+<file path=ppt/slides/slide10.xml><?xml version="1.0" encoding="utf-8"?>
+<p:sld xmlns:a="http://schemas.openxmlformats.org/drawingml/2006/main" xmlns:r="http://schemas.openxmlformats.org/officeDocument/2006/relationships" xmlns:p="http://schemas.openxmlformats.org/presentationml/2006/main">
+  <p:cSld>
+    <p:spTree>
+      <p:nvGrpSpPr>
+        <p:cNvPr id="1" name=""/>
+        <p:cNvGrpSpPr/>
+        <p:nvPr/>
+      </p:nvGrpSpPr>
+      <p:grpSpPr>
+        <a:xfrm>
+          <a:off x="0" y="0"/>
+          <a:ext cx="0" cy="0"/>
+          <a:chOff x="0" y="0"/>
+          <a:chExt cx="0" cy="0"/>
+        </a:xfrm>
+      </p:grpSpPr>
+      <p:pic>
+        <p:nvPicPr>
+          <p:cNvPr id="11" name="Picture 10">
+            <a:extLst>
+              <a:ext uri="{FF2B5EF4-FFF2-40B4-BE49-F238E27FC236}">
+                <a16:creationId xmlns:a16="http://schemas.microsoft.com/office/drawing/2014/main" id="{470F2FDE-B1B5-CC42-90A2-13A4A01B4CDF}"/>
+              </a:ext>
+            </a:extLst>
+          </p:cNvPr>
+          <p:cNvPicPr>
+            <a:picLocks noChangeAspect="1"/>
+          </p:cNvPicPr>
+          <p:nvPr/>
+        </p:nvPicPr>
+        <p:blipFill rotWithShape="1">
+          <a:blip r:embed="rId2"/>
+          <a:srcRect b="25715"/>
+          <a:stretch/>
+        </p:blipFill>
+        <p:spPr>
+          <a:xfrm>
+            <a:off x="0" y="77923"/>
+            <a:ext cx="5611979" cy="3020143"/>
+          </a:xfrm>
+          <a:prstGeom prst="rect">
+            <a:avLst/>
+          </a:prstGeom>
+        </p:spPr>
+      </p:pic>
+      <p:sp>
+        <p:nvSpPr>
+          <p:cNvPr id="9" name="Oval 8">
+            <a:extLst>
+              <a:ext uri="{FF2B5EF4-FFF2-40B4-BE49-F238E27FC236}">
+                <a16:creationId xmlns:a16="http://schemas.microsoft.com/office/drawing/2014/main" id="{F2516D49-1DD7-8940-9032-78529944DC50}"/>
               </a:ext>
             </a:extLst>
           </p:cNvPr>
@@ -3337,15 +3517,17 @@
         </p:nvSpPr>
         <p:spPr>
           <a:xfrm>
-            <a:off x="2563906" y="0"/>
-            <a:ext cx="7602070" cy="6831823"/>
+            <a:off x="4592111" y="2562501"/>
+            <a:ext cx="3010621" cy="2371765"/>
           </a:xfrm>
           <a:prstGeom prst="ellipse">
             <a:avLst/>
           </a:prstGeom>
           <a:solidFill>
-            <a:schemeClr val="accent2">
-              <a:alpha val="53000"/>
+            <a:schemeClr val="accent4">
+              <a:lumMod val="60000"/>
+              <a:lumOff val="40000"/>
+              <a:alpha val="79000"/>
             </a:schemeClr>
           </a:solidFill>
           <a:ln>
@@ -3374,22 +3556,22 @@
           <a:p>
             <a:pPr algn="ctr"/>
             <a:r>
-              <a:rPr lang="en-US" sz="3300" b="1" dirty="0">
+              <a:rPr lang="en-US" sz="2900" b="1" dirty="0">
                 <a:solidFill>
                   <a:schemeClr val="tx1"/>
                 </a:solidFill>
               </a:rPr>
-              <a:t>Open Science</a:t>
-            </a:r>
-          </a:p>
-        </p:txBody>
-      </p:sp>
-      <p:sp>
-        <p:nvSpPr>
-          <p:cNvPr id="5" name="Oval 4">
-            <a:extLst>
-              <a:ext uri="{FF2B5EF4-FFF2-40B4-BE49-F238E27FC236}">
-                <a16:creationId xmlns:a16="http://schemas.microsoft.com/office/drawing/2014/main" id="{FF51D7BD-E0E2-E048-8789-A8C4A0AC1CCF}"/>
+              <a:t>Information Science</a:t>
+            </a:r>
+          </a:p>
+        </p:txBody>
+      </p:sp>
+      <p:sp>
+        <p:nvSpPr>
+          <p:cNvPr id="8" name="Oval 7">
+            <a:extLst>
+              <a:ext uri="{FF2B5EF4-FFF2-40B4-BE49-F238E27FC236}">
+                <a16:creationId xmlns:a16="http://schemas.microsoft.com/office/drawing/2014/main" id="{A7AEC8CB-A865-0B44-96C3-06CAB6351B3B}"/>
               </a:ext>
             </a:extLst>
           </p:cNvPr>
@@ -3398,68 +3580,8 @@
         </p:nvSpPr>
         <p:spPr>
           <a:xfrm>
-            <a:off x="3190955" y="1788725"/>
-            <a:ext cx="3629262" cy="3511297"/>
-          </a:xfrm>
-          <a:prstGeom prst="ellipse">
-            <a:avLst/>
-          </a:prstGeom>
-          <a:solidFill>
-            <a:schemeClr val="accent1">
-              <a:alpha val="53000"/>
-            </a:schemeClr>
-          </a:solidFill>
-          <a:ln>
-            <a:noFill/>
-          </a:ln>
-        </p:spPr>
-        <p:style>
-          <a:lnRef idx="2">
-            <a:schemeClr val="accent1">
-              <a:shade val="50000"/>
-            </a:schemeClr>
-          </a:lnRef>
-          <a:fillRef idx="1">
-            <a:schemeClr val="accent1"/>
-          </a:fillRef>
-          <a:effectRef idx="0">
-            <a:schemeClr val="accent1"/>
-          </a:effectRef>
-          <a:fontRef idx="minor">
-            <a:schemeClr val="lt1"/>
-          </a:fontRef>
-        </p:style>
-        <p:txBody>
-          <a:bodyPr rtlCol="0" anchor="t"/>
-          <a:lstStyle/>
-          <a:p>
-            <a:r>
-              <a:rPr lang="en-US" sz="3300" b="1" dirty="0">
-                <a:solidFill>
-                  <a:schemeClr val="tx1"/>
-                </a:solidFill>
-              </a:rPr>
-              <a:t>Synthesis</a:t>
-            </a:r>
-          </a:p>
-        </p:txBody>
-      </p:sp>
-      <p:sp>
-        <p:nvSpPr>
-          <p:cNvPr id="6" name="Oval 5">
-            <a:extLst>
-              <a:ext uri="{FF2B5EF4-FFF2-40B4-BE49-F238E27FC236}">
-                <a16:creationId xmlns:a16="http://schemas.microsoft.com/office/drawing/2014/main" id="{6C14011A-D125-C34B-B02D-E28CCF3D9FF9}"/>
-              </a:ext>
-            </a:extLst>
-          </p:cNvPr>
-          <p:cNvSpPr/>
-          <p:nvPr/>
-        </p:nvSpPr>
-        <p:spPr>
-          <a:xfrm>
-            <a:off x="4628830" y="3406587"/>
-            <a:ext cx="3512562" cy="3425235"/>
+            <a:off x="4880290" y="4518188"/>
+            <a:ext cx="2434265" cy="2313633"/>
           </a:xfrm>
           <a:prstGeom prst="ellipse">
             <a:avLst/>
@@ -3520,22 +3642,22 @@
           <a:p>
             <a:pPr algn="ctr"/>
             <a:r>
-              <a:rPr lang="en-US" sz="3300" b="1" dirty="0">
+              <a:rPr lang="en-US" sz="2900" b="1" dirty="0">
                 <a:solidFill>
                   <a:schemeClr val="tx1"/>
                 </a:solidFill>
               </a:rPr>
-              <a:t>Ecological</a:t>
-            </a:r>
-          </a:p>
-        </p:txBody>
-      </p:sp>
-      <p:sp>
-        <p:nvSpPr>
-          <p:cNvPr id="7" name="Oval 6">
-            <a:extLst>
-              <a:ext uri="{FF2B5EF4-FFF2-40B4-BE49-F238E27FC236}">
-                <a16:creationId xmlns:a16="http://schemas.microsoft.com/office/drawing/2014/main" id="{26EEBC18-415E-604D-9FCA-81C6EF7F6055}"/>
+              <a:t>Avian Ecology</a:t>
+            </a:r>
+          </a:p>
+        </p:txBody>
+      </p:sp>
+      <p:sp>
+        <p:nvSpPr>
+          <p:cNvPr id="5" name="Oval 4">
+            <a:extLst>
+              <a:ext uri="{FF2B5EF4-FFF2-40B4-BE49-F238E27FC236}">
+                <a16:creationId xmlns:a16="http://schemas.microsoft.com/office/drawing/2014/main" id="{FF51D7BD-E0E2-E048-8789-A8C4A0AC1CCF}"/>
               </a:ext>
             </a:extLst>
           </p:cNvPr>
@@ -3544,8 +3666,68 @@
         </p:nvSpPr>
         <p:spPr>
           <a:xfrm>
-            <a:off x="6111604" y="1772681"/>
-            <a:ext cx="3467663" cy="3511296"/>
+            <a:off x="2828925" y="3748387"/>
+            <a:ext cx="3147562" cy="2160385"/>
+          </a:xfrm>
+          <a:prstGeom prst="ellipse">
+            <a:avLst/>
+          </a:prstGeom>
+          <a:solidFill>
+            <a:schemeClr val="accent1">
+              <a:alpha val="53000"/>
+            </a:schemeClr>
+          </a:solidFill>
+          <a:ln>
+            <a:noFill/>
+          </a:ln>
+        </p:spPr>
+        <p:style>
+          <a:lnRef idx="2">
+            <a:schemeClr val="accent1">
+              <a:shade val="50000"/>
+            </a:schemeClr>
+          </a:lnRef>
+          <a:fillRef idx="1">
+            <a:schemeClr val="accent1"/>
+          </a:fillRef>
+          <a:effectRef idx="0">
+            <a:schemeClr val="accent1"/>
+          </a:effectRef>
+          <a:fontRef idx="minor">
+            <a:schemeClr val="lt1"/>
+          </a:fontRef>
+        </p:style>
+        <p:txBody>
+          <a:bodyPr rtlCol="0" anchor="ctr"/>
+          <a:lstStyle/>
+          <a:p>
+            <a:r>
+              <a:rPr lang="en-US" sz="2900" b="1" dirty="0">
+                <a:solidFill>
+                  <a:schemeClr val="tx1"/>
+                </a:solidFill>
+              </a:rPr>
+              <a:t>Ecological Modelling</a:t>
+            </a:r>
+          </a:p>
+        </p:txBody>
+      </p:sp>
+      <p:sp>
+        <p:nvSpPr>
+          <p:cNvPr id="7" name="Oval 6">
+            <a:extLst>
+              <a:ext uri="{FF2B5EF4-FFF2-40B4-BE49-F238E27FC236}">
+                <a16:creationId xmlns:a16="http://schemas.microsoft.com/office/drawing/2014/main" id="{26EEBC18-415E-604D-9FCA-81C6EF7F6055}"/>
+              </a:ext>
+            </a:extLst>
+          </p:cNvPr>
+          <p:cNvSpPr/>
+          <p:nvPr/>
+        </p:nvSpPr>
+        <p:spPr>
+          <a:xfrm>
+            <a:off x="5965911" y="3690257"/>
+            <a:ext cx="3249527" cy="2160384"/>
           </a:xfrm>
           <a:prstGeom prst="ellipse">
             <a:avLst/>
@@ -3577,17 +3759,812 @@
           </a:fontRef>
         </p:style>
         <p:txBody>
+          <a:bodyPr rtlCol="0" anchor="ctr"/>
+          <a:lstStyle/>
+          <a:p>
+            <a:pPr algn="r"/>
+            <a:r>
+              <a:rPr lang="en-US" sz="2900" b="1" dirty="0">
+                <a:solidFill>
+                  <a:schemeClr val="tx1"/>
+                </a:solidFill>
+              </a:rPr>
+              <a:t>Invasion Ecology</a:t>
+            </a:r>
+          </a:p>
+        </p:txBody>
+      </p:sp>
+    </p:spTree>
+    <p:extLst>
+      <p:ext uri="{BB962C8B-B14F-4D97-AF65-F5344CB8AC3E}">
+        <p14:creationId xmlns:p14="http://schemas.microsoft.com/office/powerpoint/2010/main" val="1420688715"/>
+      </p:ext>
+    </p:extLst>
+  </p:cSld>
+  <p:clrMapOvr>
+    <a:masterClrMapping/>
+  </p:clrMapOvr>
+</p:sld>
+</file>
+
+<file path=ppt/slides/slide11.xml><?xml version="1.0" encoding="utf-8"?>
+<p:sld xmlns:a="http://schemas.openxmlformats.org/drawingml/2006/main" xmlns:r="http://schemas.openxmlformats.org/officeDocument/2006/relationships" xmlns:p="http://schemas.openxmlformats.org/presentationml/2006/main">
+  <p:cSld>
+    <p:spTree>
+      <p:nvGrpSpPr>
+        <p:cNvPr id="1" name=""/>
+        <p:cNvGrpSpPr/>
+        <p:nvPr/>
+      </p:nvGrpSpPr>
+      <p:grpSpPr>
+        <a:xfrm>
+          <a:off x="0" y="0"/>
+          <a:ext cx="0" cy="0"/>
+          <a:chOff x="0" y="0"/>
+          <a:chExt cx="0" cy="0"/>
+        </a:xfrm>
+      </p:grpSpPr>
+      <p:grpSp>
+        <p:nvGrpSpPr>
+          <p:cNvPr id="12" name="Group 11">
+            <a:extLst>
+              <a:ext uri="{FF2B5EF4-FFF2-40B4-BE49-F238E27FC236}">
+                <a16:creationId xmlns:a16="http://schemas.microsoft.com/office/drawing/2014/main" id="{469E431C-8D6D-0547-BFF8-4C684B78E6D3}"/>
+              </a:ext>
+            </a:extLst>
+          </p:cNvPr>
+          <p:cNvGrpSpPr/>
+          <p:nvPr/>
+        </p:nvGrpSpPr>
+        <p:grpSpPr>
+          <a:xfrm>
+            <a:off x="3311236" y="283740"/>
+            <a:ext cx="6982690" cy="2842639"/>
+            <a:chOff x="5209309" y="255427"/>
+            <a:chExt cx="6982690" cy="2842639"/>
+          </a:xfrm>
+        </p:grpSpPr>
+        <p:pic>
+          <p:nvPicPr>
+            <p:cNvPr id="6" name="Picture 5">
+              <a:extLst>
+                <a:ext uri="{FF2B5EF4-FFF2-40B4-BE49-F238E27FC236}">
+                  <a16:creationId xmlns:a16="http://schemas.microsoft.com/office/drawing/2014/main" id="{6630C8D4-4A6A-224F-821C-FC10E27E17A0}"/>
+                </a:ext>
+              </a:extLst>
+            </p:cNvPr>
+            <p:cNvPicPr>
+              <a:picLocks noChangeAspect="1"/>
+            </p:cNvPicPr>
+            <p:nvPr/>
+          </p:nvPicPr>
+          <p:blipFill rotWithShape="1">
+            <a:blip r:embed="rId2"/>
+            <a:srcRect l="2372"/>
+            <a:stretch/>
+          </p:blipFill>
+          <p:spPr>
+            <a:xfrm>
+              <a:off x="5347854" y="255427"/>
+              <a:ext cx="6844145" cy="2703357"/>
+            </a:xfrm>
+            <a:prstGeom prst="rect">
+              <a:avLst/>
+            </a:prstGeom>
+          </p:spPr>
+        </p:pic>
+        <p:sp>
+          <p:nvSpPr>
+            <p:cNvPr id="10" name="Rectangle 9">
+              <a:extLst>
+                <a:ext uri="{FF2B5EF4-FFF2-40B4-BE49-F238E27FC236}">
+                  <a16:creationId xmlns:a16="http://schemas.microsoft.com/office/drawing/2014/main" id="{8A36EE00-9C98-9D46-A420-F75C1315B488}"/>
+                </a:ext>
+              </a:extLst>
+            </p:cNvPr>
+            <p:cNvSpPr/>
+            <p:nvPr/>
+          </p:nvSpPr>
+          <p:spPr>
+            <a:xfrm>
+              <a:off x="5209309" y="2200268"/>
+              <a:ext cx="5514109" cy="897798"/>
+            </a:xfrm>
+            <a:prstGeom prst="rect">
+              <a:avLst/>
+            </a:prstGeom>
+            <a:solidFill>
+              <a:schemeClr val="bg1"/>
+            </a:solidFill>
+            <a:ln>
+              <a:noFill/>
+            </a:ln>
+          </p:spPr>
+          <p:style>
+            <a:lnRef idx="2">
+              <a:schemeClr val="accent1">
+                <a:shade val="50000"/>
+              </a:schemeClr>
+            </a:lnRef>
+            <a:fillRef idx="1">
+              <a:schemeClr val="accent1"/>
+            </a:fillRef>
+            <a:effectRef idx="0">
+              <a:schemeClr val="accent1"/>
+            </a:effectRef>
+            <a:fontRef idx="minor">
+              <a:schemeClr val="lt1"/>
+            </a:fontRef>
+          </p:style>
+          <p:txBody>
+            <a:bodyPr rtlCol="0" anchor="ctr"/>
+            <a:lstStyle/>
+            <a:p>
+              <a:pPr algn="ctr"/>
+              <a:endParaRPr lang="en-US"/>
+            </a:p>
+          </p:txBody>
+        </p:sp>
+      </p:grpSp>
+      <p:sp>
+        <p:nvSpPr>
+          <p:cNvPr id="9" name="Oval 8">
+            <a:extLst>
+              <a:ext uri="{FF2B5EF4-FFF2-40B4-BE49-F238E27FC236}">
+                <a16:creationId xmlns:a16="http://schemas.microsoft.com/office/drawing/2014/main" id="{F2516D49-1DD7-8940-9032-78529944DC50}"/>
+              </a:ext>
+            </a:extLst>
+          </p:cNvPr>
+          <p:cNvSpPr/>
+          <p:nvPr/>
+        </p:nvSpPr>
+        <p:spPr>
+          <a:xfrm>
+            <a:off x="4592111" y="2562501"/>
+            <a:ext cx="3010621" cy="2371765"/>
+          </a:xfrm>
+          <a:prstGeom prst="ellipse">
+            <a:avLst/>
+          </a:prstGeom>
+          <a:solidFill>
+            <a:schemeClr val="accent4">
+              <a:lumMod val="60000"/>
+              <a:lumOff val="40000"/>
+              <a:alpha val="79000"/>
+            </a:schemeClr>
+          </a:solidFill>
+          <a:ln>
+            <a:noFill/>
+          </a:ln>
+        </p:spPr>
+        <p:style>
+          <a:lnRef idx="2">
+            <a:schemeClr val="accent1">
+              <a:shade val="50000"/>
+            </a:schemeClr>
+          </a:lnRef>
+          <a:fillRef idx="1">
+            <a:schemeClr val="accent1"/>
+          </a:fillRef>
+          <a:effectRef idx="0">
+            <a:schemeClr val="accent1"/>
+          </a:effectRef>
+          <a:fontRef idx="minor">
+            <a:schemeClr val="lt1"/>
+          </a:fontRef>
+        </p:style>
+        <p:txBody>
           <a:bodyPr rtlCol="0" anchor="t"/>
           <a:lstStyle/>
           <a:p>
+            <a:pPr algn="ctr"/>
+            <a:r>
+              <a:rPr lang="en-US" sz="2900" b="1" dirty="0">
+                <a:solidFill>
+                  <a:schemeClr val="tx1"/>
+                </a:solidFill>
+              </a:rPr>
+              <a:t>Information Science</a:t>
+            </a:r>
+          </a:p>
+        </p:txBody>
+      </p:sp>
+      <p:sp>
+        <p:nvSpPr>
+          <p:cNvPr id="8" name="Oval 7">
+            <a:extLst>
+              <a:ext uri="{FF2B5EF4-FFF2-40B4-BE49-F238E27FC236}">
+                <a16:creationId xmlns:a16="http://schemas.microsoft.com/office/drawing/2014/main" id="{A7AEC8CB-A865-0B44-96C3-06CAB6351B3B}"/>
+              </a:ext>
+            </a:extLst>
+          </p:cNvPr>
+          <p:cNvSpPr/>
+          <p:nvPr/>
+        </p:nvSpPr>
+        <p:spPr>
+          <a:xfrm>
+            <a:off x="4880290" y="4518188"/>
+            <a:ext cx="2434265" cy="2313633"/>
+          </a:xfrm>
+          <a:prstGeom prst="ellipse">
+            <a:avLst/>
+          </a:prstGeom>
+          <a:solidFill>
+            <a:schemeClr val="bg2">
+              <a:lumMod val="50000"/>
+              <a:alpha val="53000"/>
+            </a:schemeClr>
+          </a:solidFill>
+          <a:ln>
+            <a:noFill/>
+          </a:ln>
+        </p:spPr>
+        <p:style>
+          <a:lnRef idx="2">
+            <a:schemeClr val="accent1">
+              <a:shade val="50000"/>
+            </a:schemeClr>
+          </a:lnRef>
+          <a:fillRef idx="1">
+            <a:schemeClr val="accent1"/>
+          </a:fillRef>
+          <a:effectRef idx="0">
+            <a:schemeClr val="accent1"/>
+          </a:effectRef>
+          <a:fontRef idx="minor">
+            <a:schemeClr val="lt1"/>
+          </a:fontRef>
+        </p:style>
+        <p:txBody>
+          <a:bodyPr rtlCol="0" anchor="b"/>
+          <a:lstStyle/>
+          <a:p>
+            <a:pPr algn="ctr"/>
+            <a:endParaRPr lang="en-US" sz="3300" b="1" dirty="0">
+              <a:solidFill>
+                <a:schemeClr val="tx1"/>
+              </a:solidFill>
+            </a:endParaRPr>
+          </a:p>
+          <a:p>
+            <a:pPr algn="ctr"/>
+            <a:endParaRPr lang="en-US" sz="3300" b="1" dirty="0">
+              <a:solidFill>
+                <a:schemeClr val="tx1"/>
+              </a:solidFill>
+            </a:endParaRPr>
+          </a:p>
+          <a:p>
+            <a:pPr algn="ctr"/>
+            <a:endParaRPr lang="en-US" sz="3300" b="1" dirty="0">
+              <a:solidFill>
+                <a:schemeClr val="tx1"/>
+              </a:solidFill>
+            </a:endParaRPr>
+          </a:p>
+          <a:p>
+            <a:pPr algn="ctr"/>
+            <a:r>
+              <a:rPr lang="en-US" sz="2900" b="1" dirty="0">
+                <a:solidFill>
+                  <a:schemeClr val="tx1"/>
+                </a:solidFill>
+              </a:rPr>
+              <a:t>Avian Ecology</a:t>
+            </a:r>
+          </a:p>
+        </p:txBody>
+      </p:sp>
+      <p:sp>
+        <p:nvSpPr>
+          <p:cNvPr id="5" name="Oval 4">
+            <a:extLst>
+              <a:ext uri="{FF2B5EF4-FFF2-40B4-BE49-F238E27FC236}">
+                <a16:creationId xmlns:a16="http://schemas.microsoft.com/office/drawing/2014/main" id="{FF51D7BD-E0E2-E048-8789-A8C4A0AC1CCF}"/>
+              </a:ext>
+            </a:extLst>
+          </p:cNvPr>
+          <p:cNvSpPr/>
+          <p:nvPr/>
+        </p:nvSpPr>
+        <p:spPr>
+          <a:xfrm>
+            <a:off x="2828925" y="3748387"/>
+            <a:ext cx="3147562" cy="2160385"/>
+          </a:xfrm>
+          <a:prstGeom prst="ellipse">
+            <a:avLst/>
+          </a:prstGeom>
+          <a:solidFill>
+            <a:schemeClr val="accent1">
+              <a:alpha val="53000"/>
+            </a:schemeClr>
+          </a:solidFill>
+          <a:ln>
+            <a:noFill/>
+          </a:ln>
+        </p:spPr>
+        <p:style>
+          <a:lnRef idx="2">
+            <a:schemeClr val="accent1">
+              <a:shade val="50000"/>
+            </a:schemeClr>
+          </a:lnRef>
+          <a:fillRef idx="1">
+            <a:schemeClr val="accent1"/>
+          </a:fillRef>
+          <a:effectRef idx="0">
+            <a:schemeClr val="accent1"/>
+          </a:effectRef>
+          <a:fontRef idx="minor">
+            <a:schemeClr val="lt1"/>
+          </a:fontRef>
+        </p:style>
+        <p:txBody>
+          <a:bodyPr rtlCol="0" anchor="ctr"/>
+          <a:lstStyle/>
+          <a:p>
+            <a:r>
+              <a:rPr lang="en-US" sz="2900" b="1" dirty="0">
+                <a:solidFill>
+                  <a:schemeClr val="tx1"/>
+                </a:solidFill>
+              </a:rPr>
+              <a:t>Ecological Modelling</a:t>
+            </a:r>
+          </a:p>
+        </p:txBody>
+      </p:sp>
+      <p:sp>
+        <p:nvSpPr>
+          <p:cNvPr id="7" name="Oval 6">
+            <a:extLst>
+              <a:ext uri="{FF2B5EF4-FFF2-40B4-BE49-F238E27FC236}">
+                <a16:creationId xmlns:a16="http://schemas.microsoft.com/office/drawing/2014/main" id="{26EEBC18-415E-604D-9FCA-81C6EF7F6055}"/>
+              </a:ext>
+            </a:extLst>
+          </p:cNvPr>
+          <p:cNvSpPr/>
+          <p:nvPr/>
+        </p:nvSpPr>
+        <p:spPr>
+          <a:xfrm>
+            <a:off x="5965911" y="3690257"/>
+            <a:ext cx="3249527" cy="2160384"/>
+          </a:xfrm>
+          <a:prstGeom prst="ellipse">
+            <a:avLst/>
+          </a:prstGeom>
+          <a:solidFill>
+            <a:schemeClr val="accent6">
+              <a:lumMod val="50000"/>
+              <a:alpha val="53000"/>
+            </a:schemeClr>
+          </a:solidFill>
+          <a:ln>
+            <a:noFill/>
+          </a:ln>
+        </p:spPr>
+        <p:style>
+          <a:lnRef idx="2">
+            <a:schemeClr val="accent1">
+              <a:shade val="50000"/>
+            </a:schemeClr>
+          </a:lnRef>
+          <a:fillRef idx="1">
+            <a:schemeClr val="accent1"/>
+          </a:fillRef>
+          <a:effectRef idx="0">
+            <a:schemeClr val="accent1"/>
+          </a:effectRef>
+          <a:fontRef idx="minor">
+            <a:schemeClr val="lt1"/>
+          </a:fontRef>
+        </p:style>
+        <p:txBody>
+          <a:bodyPr rtlCol="0" anchor="ctr"/>
+          <a:lstStyle/>
+          <a:p>
             <a:pPr algn="r"/>
+            <a:r>
+              <a:rPr lang="en-US" sz="2900" b="1" dirty="0">
+                <a:solidFill>
+                  <a:schemeClr val="tx1"/>
+                </a:solidFill>
+              </a:rPr>
+              <a:t>Invasion Ecology</a:t>
+            </a:r>
+          </a:p>
+        </p:txBody>
+      </p:sp>
+      <p:pic>
+        <p:nvPicPr>
+          <p:cNvPr id="14" name="Picture 13">
+            <a:extLst>
+              <a:ext uri="{FF2B5EF4-FFF2-40B4-BE49-F238E27FC236}">
+                <a16:creationId xmlns:a16="http://schemas.microsoft.com/office/drawing/2014/main" id="{206C4F59-4141-A244-B374-B4D0C4DE647D}"/>
+              </a:ext>
+            </a:extLst>
+          </p:cNvPr>
+          <p:cNvPicPr>
+            <a:picLocks noChangeAspect="1"/>
+          </p:cNvPicPr>
+          <p:nvPr/>
+        </p:nvPicPr>
+        <p:blipFill>
+          <a:blip r:embed="rId3"/>
+          <a:stretch>
+            <a:fillRect/>
+          </a:stretch>
+        </p:blipFill>
+        <p:spPr>
+          <a:xfrm>
+            <a:off x="249448" y="349498"/>
+            <a:ext cx="2410624" cy="1879148"/>
+          </a:xfrm>
+          <a:prstGeom prst="rect">
+            <a:avLst/>
+          </a:prstGeom>
+        </p:spPr>
+      </p:pic>
+    </p:spTree>
+    <p:extLst>
+      <p:ext uri="{BB962C8B-B14F-4D97-AF65-F5344CB8AC3E}">
+        <p14:creationId xmlns:p14="http://schemas.microsoft.com/office/powerpoint/2010/main" val="3297731617"/>
+      </p:ext>
+    </p:extLst>
+  </p:cSld>
+  <p:clrMapOvr>
+    <a:masterClrMapping/>
+  </p:clrMapOvr>
+</p:sld>
+</file>
+
+<file path=ppt/slides/slide12.xml><?xml version="1.0" encoding="utf-8"?>
+<p:sld xmlns:a="http://schemas.openxmlformats.org/drawingml/2006/main" xmlns:r="http://schemas.openxmlformats.org/officeDocument/2006/relationships" xmlns:p="http://schemas.openxmlformats.org/presentationml/2006/main">
+  <p:cSld>
+    <p:spTree>
+      <p:nvGrpSpPr>
+        <p:cNvPr id="1" name=""/>
+        <p:cNvGrpSpPr/>
+        <p:nvPr/>
+      </p:nvGrpSpPr>
+      <p:grpSpPr>
+        <a:xfrm>
+          <a:off x="0" y="0"/>
+          <a:ext cx="0" cy="0"/>
+          <a:chOff x="0" y="0"/>
+          <a:chExt cx="0" cy="0"/>
+        </a:xfrm>
+      </p:grpSpPr>
+      <p:sp>
+        <p:nvSpPr>
+          <p:cNvPr id="6" name="Oval 5">
+            <a:extLst>
+              <a:ext uri="{FF2B5EF4-FFF2-40B4-BE49-F238E27FC236}">
+                <a16:creationId xmlns:a16="http://schemas.microsoft.com/office/drawing/2014/main" id="{A1659773-8532-2F42-974A-2073277FBBBD}"/>
+              </a:ext>
+            </a:extLst>
+          </p:cNvPr>
+          <p:cNvSpPr/>
+          <p:nvPr/>
+        </p:nvSpPr>
+        <p:spPr>
+          <a:xfrm>
+            <a:off x="1995055" y="1246909"/>
+            <a:ext cx="8201889" cy="5584915"/>
+          </a:xfrm>
+          <a:prstGeom prst="ellipse">
+            <a:avLst/>
+          </a:prstGeom>
+          <a:solidFill>
+            <a:srgbClr val="FF0000">
+              <a:alpha val="17000"/>
+            </a:srgbClr>
+          </a:solidFill>
+          <a:ln>
+            <a:noFill/>
+          </a:ln>
+        </p:spPr>
+        <p:style>
+          <a:lnRef idx="2">
+            <a:schemeClr val="accent1">
+              <a:shade val="50000"/>
+            </a:schemeClr>
+          </a:lnRef>
+          <a:fillRef idx="1">
+            <a:schemeClr val="accent1"/>
+          </a:fillRef>
+          <a:effectRef idx="0">
+            <a:schemeClr val="accent1"/>
+          </a:effectRef>
+          <a:fontRef idx="minor">
+            <a:schemeClr val="lt1"/>
+          </a:fontRef>
+        </p:style>
+        <p:txBody>
+          <a:bodyPr rtlCol="0" anchor="t"/>
+          <a:lstStyle/>
+          <a:p>
+            <a:pPr algn="ctr"/>
             <a:r>
               <a:rPr lang="en-US" sz="3300" b="1" dirty="0">
                 <a:solidFill>
                   <a:schemeClr val="tx1"/>
                 </a:solidFill>
               </a:rPr>
-              <a:t>Applications &amp; Decisions</a:t>
+              <a:t>OPEN SCIENCE</a:t>
+            </a:r>
+          </a:p>
+        </p:txBody>
+      </p:sp>
+      <p:sp>
+        <p:nvSpPr>
+          <p:cNvPr id="12" name="Oval 11">
+            <a:extLst>
+              <a:ext uri="{FF2B5EF4-FFF2-40B4-BE49-F238E27FC236}">
+                <a16:creationId xmlns:a16="http://schemas.microsoft.com/office/drawing/2014/main" id="{55CD73F8-BA10-F245-9155-10B22A64D147}"/>
+              </a:ext>
+            </a:extLst>
+          </p:cNvPr>
+          <p:cNvSpPr/>
+          <p:nvPr/>
+        </p:nvSpPr>
+        <p:spPr>
+          <a:xfrm>
+            <a:off x="4592111" y="2562501"/>
+            <a:ext cx="3010621" cy="2371765"/>
+          </a:xfrm>
+          <a:prstGeom prst="ellipse">
+            <a:avLst/>
+          </a:prstGeom>
+          <a:solidFill>
+            <a:schemeClr val="accent4">
+              <a:lumMod val="60000"/>
+              <a:lumOff val="40000"/>
+              <a:alpha val="79000"/>
+            </a:schemeClr>
+          </a:solidFill>
+          <a:ln>
+            <a:noFill/>
+          </a:ln>
+        </p:spPr>
+        <p:style>
+          <a:lnRef idx="2">
+            <a:schemeClr val="accent1">
+              <a:shade val="50000"/>
+            </a:schemeClr>
+          </a:lnRef>
+          <a:fillRef idx="1">
+            <a:schemeClr val="accent1"/>
+          </a:fillRef>
+          <a:effectRef idx="0">
+            <a:schemeClr val="accent1"/>
+          </a:effectRef>
+          <a:fontRef idx="minor">
+            <a:schemeClr val="lt1"/>
+          </a:fontRef>
+        </p:style>
+        <p:txBody>
+          <a:bodyPr rtlCol="0" anchor="t"/>
+          <a:lstStyle/>
+          <a:p>
+            <a:pPr algn="ctr"/>
+            <a:r>
+              <a:rPr lang="en-US" sz="2900" b="1" dirty="0">
+                <a:solidFill>
+                  <a:schemeClr val="tx1"/>
+                </a:solidFill>
+              </a:rPr>
+              <a:t>Information Science</a:t>
+            </a:r>
+          </a:p>
+        </p:txBody>
+      </p:sp>
+      <p:sp>
+        <p:nvSpPr>
+          <p:cNvPr id="13" name="Oval 12">
+            <a:extLst>
+              <a:ext uri="{FF2B5EF4-FFF2-40B4-BE49-F238E27FC236}">
+                <a16:creationId xmlns:a16="http://schemas.microsoft.com/office/drawing/2014/main" id="{86999EC3-A4EA-7D40-A29D-911B0503B997}"/>
+              </a:ext>
+            </a:extLst>
+          </p:cNvPr>
+          <p:cNvSpPr/>
+          <p:nvPr/>
+        </p:nvSpPr>
+        <p:spPr>
+          <a:xfrm>
+            <a:off x="4880290" y="4518188"/>
+            <a:ext cx="2434265" cy="2313633"/>
+          </a:xfrm>
+          <a:prstGeom prst="ellipse">
+            <a:avLst/>
+          </a:prstGeom>
+          <a:solidFill>
+            <a:schemeClr val="bg2">
+              <a:lumMod val="50000"/>
+              <a:alpha val="53000"/>
+            </a:schemeClr>
+          </a:solidFill>
+          <a:ln>
+            <a:noFill/>
+          </a:ln>
+        </p:spPr>
+        <p:style>
+          <a:lnRef idx="2">
+            <a:schemeClr val="accent1">
+              <a:shade val="50000"/>
+            </a:schemeClr>
+          </a:lnRef>
+          <a:fillRef idx="1">
+            <a:schemeClr val="accent1"/>
+          </a:fillRef>
+          <a:effectRef idx="0">
+            <a:schemeClr val="accent1"/>
+          </a:effectRef>
+          <a:fontRef idx="minor">
+            <a:schemeClr val="lt1"/>
+          </a:fontRef>
+        </p:style>
+        <p:txBody>
+          <a:bodyPr rtlCol="0" anchor="b"/>
+          <a:lstStyle/>
+          <a:p>
+            <a:pPr algn="ctr"/>
+            <a:endParaRPr lang="en-US" sz="3300" b="1" dirty="0">
+              <a:solidFill>
+                <a:schemeClr val="tx1"/>
+              </a:solidFill>
+            </a:endParaRPr>
+          </a:p>
+          <a:p>
+            <a:pPr algn="ctr"/>
+            <a:endParaRPr lang="en-US" sz="3300" b="1" dirty="0">
+              <a:solidFill>
+                <a:schemeClr val="tx1"/>
+              </a:solidFill>
+            </a:endParaRPr>
+          </a:p>
+          <a:p>
+            <a:pPr algn="ctr"/>
+            <a:endParaRPr lang="en-US" sz="3300" b="1" dirty="0">
+              <a:solidFill>
+                <a:schemeClr val="tx1"/>
+              </a:solidFill>
+            </a:endParaRPr>
+          </a:p>
+          <a:p>
+            <a:pPr algn="ctr"/>
+            <a:r>
+              <a:rPr lang="en-US" sz="2900" b="1" dirty="0">
+                <a:solidFill>
+                  <a:schemeClr val="tx1"/>
+                </a:solidFill>
+              </a:rPr>
+              <a:t>Avian Ecology</a:t>
+            </a:r>
+          </a:p>
+        </p:txBody>
+      </p:sp>
+      <p:sp>
+        <p:nvSpPr>
+          <p:cNvPr id="14" name="Oval 13">
+            <a:extLst>
+              <a:ext uri="{FF2B5EF4-FFF2-40B4-BE49-F238E27FC236}">
+                <a16:creationId xmlns:a16="http://schemas.microsoft.com/office/drawing/2014/main" id="{FB00A735-A160-D04D-8BA3-66523B2CD1D4}"/>
+              </a:ext>
+            </a:extLst>
+          </p:cNvPr>
+          <p:cNvSpPr/>
+          <p:nvPr/>
+        </p:nvSpPr>
+        <p:spPr>
+          <a:xfrm>
+            <a:off x="2828925" y="3748387"/>
+            <a:ext cx="3147562" cy="2160385"/>
+          </a:xfrm>
+          <a:prstGeom prst="ellipse">
+            <a:avLst/>
+          </a:prstGeom>
+          <a:solidFill>
+            <a:schemeClr val="accent1">
+              <a:alpha val="53000"/>
+            </a:schemeClr>
+          </a:solidFill>
+          <a:ln>
+            <a:noFill/>
+          </a:ln>
+        </p:spPr>
+        <p:style>
+          <a:lnRef idx="2">
+            <a:schemeClr val="accent1">
+              <a:shade val="50000"/>
+            </a:schemeClr>
+          </a:lnRef>
+          <a:fillRef idx="1">
+            <a:schemeClr val="accent1"/>
+          </a:fillRef>
+          <a:effectRef idx="0">
+            <a:schemeClr val="accent1"/>
+          </a:effectRef>
+          <a:fontRef idx="minor">
+            <a:schemeClr val="lt1"/>
+          </a:fontRef>
+        </p:style>
+        <p:txBody>
+          <a:bodyPr rtlCol="0" anchor="ctr"/>
+          <a:lstStyle/>
+          <a:p>
+            <a:r>
+              <a:rPr lang="en-US" sz="2900" b="1" dirty="0">
+                <a:solidFill>
+                  <a:schemeClr val="tx1"/>
+                </a:solidFill>
+              </a:rPr>
+              <a:t>Ecological Modelling</a:t>
+            </a:r>
+          </a:p>
+        </p:txBody>
+      </p:sp>
+      <p:sp>
+        <p:nvSpPr>
+          <p:cNvPr id="15" name="Oval 14">
+            <a:extLst>
+              <a:ext uri="{FF2B5EF4-FFF2-40B4-BE49-F238E27FC236}">
+                <a16:creationId xmlns:a16="http://schemas.microsoft.com/office/drawing/2014/main" id="{26631C71-A88D-724C-8052-30F3D4FF902F}"/>
+              </a:ext>
+            </a:extLst>
+          </p:cNvPr>
+          <p:cNvSpPr/>
+          <p:nvPr/>
+        </p:nvSpPr>
+        <p:spPr>
+          <a:xfrm>
+            <a:off x="5965911" y="3690257"/>
+            <a:ext cx="3249527" cy="2160384"/>
+          </a:xfrm>
+          <a:prstGeom prst="ellipse">
+            <a:avLst/>
+          </a:prstGeom>
+          <a:solidFill>
+            <a:schemeClr val="accent6">
+              <a:lumMod val="50000"/>
+              <a:alpha val="53000"/>
+            </a:schemeClr>
+          </a:solidFill>
+          <a:ln>
+            <a:noFill/>
+          </a:ln>
+        </p:spPr>
+        <p:style>
+          <a:lnRef idx="2">
+            <a:schemeClr val="accent1">
+              <a:shade val="50000"/>
+            </a:schemeClr>
+          </a:lnRef>
+          <a:fillRef idx="1">
+            <a:schemeClr val="accent1"/>
+          </a:fillRef>
+          <a:effectRef idx="0">
+            <a:schemeClr val="accent1"/>
+          </a:effectRef>
+          <a:fontRef idx="minor">
+            <a:schemeClr val="lt1"/>
+          </a:fontRef>
+        </p:style>
+        <p:txBody>
+          <a:bodyPr rtlCol="0" anchor="ctr"/>
+          <a:lstStyle/>
+          <a:p>
+            <a:pPr algn="r"/>
+            <a:r>
+              <a:rPr lang="en-US" sz="2900" b="1" dirty="0">
+                <a:solidFill>
+                  <a:schemeClr val="tx1"/>
+                </a:solidFill>
+              </a:rPr>
+              <a:t>Invasion Ecology</a:t>
             </a:r>
           </a:p>
         </p:txBody>
@@ -3595,7 +4572,972 @@
     </p:spTree>
     <p:extLst>
       <p:ext uri="{BB962C8B-B14F-4D97-AF65-F5344CB8AC3E}">
-        <p14:creationId xmlns:p14="http://schemas.microsoft.com/office/powerpoint/2010/main" val="2146949165"/>
+        <p14:creationId xmlns:p14="http://schemas.microsoft.com/office/powerpoint/2010/main" val="2332312933"/>
+      </p:ext>
+    </p:extLst>
+  </p:cSld>
+  <p:clrMapOvr>
+    <a:masterClrMapping/>
+  </p:clrMapOvr>
+</p:sld>
+</file>
+
+<file path=ppt/slides/slide13.xml><?xml version="1.0" encoding="utf-8"?>
+<p:sld xmlns:a="http://schemas.openxmlformats.org/drawingml/2006/main" xmlns:r="http://schemas.openxmlformats.org/officeDocument/2006/relationships" xmlns:p="http://schemas.openxmlformats.org/presentationml/2006/main">
+  <p:cSld>
+    <p:spTree>
+      <p:nvGrpSpPr>
+        <p:cNvPr id="1" name=""/>
+        <p:cNvGrpSpPr/>
+        <p:nvPr/>
+      </p:nvGrpSpPr>
+      <p:grpSpPr>
+        <a:xfrm>
+          <a:off x="0" y="0"/>
+          <a:ext cx="0" cy="0"/>
+          <a:chOff x="0" y="0"/>
+          <a:chExt cx="0" cy="0"/>
+        </a:xfrm>
+      </p:grpSpPr>
+      <p:sp>
+        <p:nvSpPr>
+          <p:cNvPr id="6" name="Oval 5">
+            <a:extLst>
+              <a:ext uri="{FF2B5EF4-FFF2-40B4-BE49-F238E27FC236}">
+                <a16:creationId xmlns:a16="http://schemas.microsoft.com/office/drawing/2014/main" id="{A1659773-8532-2F42-974A-2073277FBBBD}"/>
+              </a:ext>
+            </a:extLst>
+          </p:cNvPr>
+          <p:cNvSpPr/>
+          <p:nvPr/>
+        </p:nvSpPr>
+        <p:spPr>
+          <a:xfrm>
+            <a:off x="1995055" y="1246909"/>
+            <a:ext cx="8201889" cy="5584915"/>
+          </a:xfrm>
+          <a:prstGeom prst="ellipse">
+            <a:avLst/>
+          </a:prstGeom>
+          <a:solidFill>
+            <a:srgbClr val="FF0000">
+              <a:alpha val="17000"/>
+            </a:srgbClr>
+          </a:solidFill>
+          <a:ln>
+            <a:noFill/>
+          </a:ln>
+        </p:spPr>
+        <p:style>
+          <a:lnRef idx="2">
+            <a:schemeClr val="accent1">
+              <a:shade val="50000"/>
+            </a:schemeClr>
+          </a:lnRef>
+          <a:fillRef idx="1">
+            <a:schemeClr val="accent1"/>
+          </a:fillRef>
+          <a:effectRef idx="0">
+            <a:schemeClr val="accent1"/>
+          </a:effectRef>
+          <a:fontRef idx="minor">
+            <a:schemeClr val="lt1"/>
+          </a:fontRef>
+        </p:style>
+        <p:txBody>
+          <a:bodyPr rtlCol="0" anchor="t"/>
+          <a:lstStyle/>
+          <a:p>
+            <a:pPr algn="ctr"/>
+            <a:r>
+              <a:rPr lang="en-US" sz="3300" b="1" dirty="0">
+                <a:solidFill>
+                  <a:schemeClr val="tx1">
+                    <a:alpha val="20000"/>
+                  </a:schemeClr>
+                </a:solidFill>
+              </a:rPr>
+              <a:t>OPEN SCIENCE</a:t>
+            </a:r>
+          </a:p>
+        </p:txBody>
+      </p:sp>
+      <p:sp>
+        <p:nvSpPr>
+          <p:cNvPr id="12" name="Oval 11">
+            <a:extLst>
+              <a:ext uri="{FF2B5EF4-FFF2-40B4-BE49-F238E27FC236}">
+                <a16:creationId xmlns:a16="http://schemas.microsoft.com/office/drawing/2014/main" id="{55CD73F8-BA10-F245-9155-10B22A64D147}"/>
+              </a:ext>
+            </a:extLst>
+          </p:cNvPr>
+          <p:cNvSpPr/>
+          <p:nvPr/>
+        </p:nvSpPr>
+        <p:spPr>
+          <a:xfrm>
+            <a:off x="4592111" y="2562501"/>
+            <a:ext cx="3010621" cy="2371765"/>
+          </a:xfrm>
+          <a:prstGeom prst="ellipse">
+            <a:avLst/>
+          </a:prstGeom>
+          <a:solidFill>
+            <a:schemeClr val="accent4">
+              <a:lumMod val="60000"/>
+              <a:lumOff val="40000"/>
+              <a:alpha val="79000"/>
+            </a:schemeClr>
+          </a:solidFill>
+          <a:ln>
+            <a:noFill/>
+          </a:ln>
+        </p:spPr>
+        <p:style>
+          <a:lnRef idx="2">
+            <a:schemeClr val="accent1">
+              <a:shade val="50000"/>
+            </a:schemeClr>
+          </a:lnRef>
+          <a:fillRef idx="1">
+            <a:schemeClr val="accent1"/>
+          </a:fillRef>
+          <a:effectRef idx="0">
+            <a:schemeClr val="accent1"/>
+          </a:effectRef>
+          <a:fontRef idx="minor">
+            <a:schemeClr val="lt1"/>
+          </a:fontRef>
+        </p:style>
+        <p:txBody>
+          <a:bodyPr rtlCol="0" anchor="t"/>
+          <a:lstStyle/>
+          <a:p>
+            <a:pPr algn="ctr"/>
+            <a:r>
+              <a:rPr lang="en-US" sz="2900" b="1" dirty="0">
+                <a:solidFill>
+                  <a:schemeClr val="tx1">
+                    <a:alpha val="20000"/>
+                  </a:schemeClr>
+                </a:solidFill>
+              </a:rPr>
+              <a:t>Information Science</a:t>
+            </a:r>
+          </a:p>
+        </p:txBody>
+      </p:sp>
+      <p:sp>
+        <p:nvSpPr>
+          <p:cNvPr id="13" name="Oval 12">
+            <a:extLst>
+              <a:ext uri="{FF2B5EF4-FFF2-40B4-BE49-F238E27FC236}">
+                <a16:creationId xmlns:a16="http://schemas.microsoft.com/office/drawing/2014/main" id="{86999EC3-A4EA-7D40-A29D-911B0503B997}"/>
+              </a:ext>
+            </a:extLst>
+          </p:cNvPr>
+          <p:cNvSpPr/>
+          <p:nvPr/>
+        </p:nvSpPr>
+        <p:spPr>
+          <a:xfrm>
+            <a:off x="4880290" y="4518188"/>
+            <a:ext cx="2434265" cy="2313633"/>
+          </a:xfrm>
+          <a:prstGeom prst="ellipse">
+            <a:avLst/>
+          </a:prstGeom>
+          <a:solidFill>
+            <a:schemeClr val="bg2">
+              <a:lumMod val="50000"/>
+              <a:alpha val="53000"/>
+            </a:schemeClr>
+          </a:solidFill>
+          <a:ln>
+            <a:noFill/>
+          </a:ln>
+        </p:spPr>
+        <p:style>
+          <a:lnRef idx="2">
+            <a:schemeClr val="accent1">
+              <a:shade val="50000"/>
+            </a:schemeClr>
+          </a:lnRef>
+          <a:fillRef idx="1">
+            <a:schemeClr val="accent1"/>
+          </a:fillRef>
+          <a:effectRef idx="0">
+            <a:schemeClr val="accent1"/>
+          </a:effectRef>
+          <a:fontRef idx="minor">
+            <a:schemeClr val="lt1"/>
+          </a:fontRef>
+        </p:style>
+        <p:txBody>
+          <a:bodyPr rtlCol="0" anchor="b"/>
+          <a:lstStyle/>
+          <a:p>
+            <a:pPr algn="ctr"/>
+            <a:endParaRPr lang="en-US" sz="3300" b="1" dirty="0">
+              <a:solidFill>
+                <a:schemeClr val="tx1">
+                  <a:alpha val="20000"/>
+                </a:schemeClr>
+              </a:solidFill>
+            </a:endParaRPr>
+          </a:p>
+          <a:p>
+            <a:pPr algn="ctr"/>
+            <a:endParaRPr lang="en-US" sz="3300" b="1" dirty="0">
+              <a:solidFill>
+                <a:schemeClr val="tx1">
+                  <a:alpha val="20000"/>
+                </a:schemeClr>
+              </a:solidFill>
+            </a:endParaRPr>
+          </a:p>
+          <a:p>
+            <a:pPr algn="ctr"/>
+            <a:endParaRPr lang="en-US" sz="3300" b="1" dirty="0">
+              <a:solidFill>
+                <a:schemeClr val="tx1">
+                  <a:alpha val="20000"/>
+                </a:schemeClr>
+              </a:solidFill>
+            </a:endParaRPr>
+          </a:p>
+          <a:p>
+            <a:pPr algn="ctr"/>
+            <a:r>
+              <a:rPr lang="en-US" sz="2900" b="1" dirty="0">
+                <a:solidFill>
+                  <a:schemeClr val="tx1">
+                    <a:alpha val="20000"/>
+                  </a:schemeClr>
+                </a:solidFill>
+              </a:rPr>
+              <a:t>Avian Ecology</a:t>
+            </a:r>
+          </a:p>
+        </p:txBody>
+      </p:sp>
+      <p:sp>
+        <p:nvSpPr>
+          <p:cNvPr id="14" name="Oval 13">
+            <a:extLst>
+              <a:ext uri="{FF2B5EF4-FFF2-40B4-BE49-F238E27FC236}">
+                <a16:creationId xmlns:a16="http://schemas.microsoft.com/office/drawing/2014/main" id="{FB00A735-A160-D04D-8BA3-66523B2CD1D4}"/>
+              </a:ext>
+            </a:extLst>
+          </p:cNvPr>
+          <p:cNvSpPr/>
+          <p:nvPr/>
+        </p:nvSpPr>
+        <p:spPr>
+          <a:xfrm>
+            <a:off x="2828925" y="3748387"/>
+            <a:ext cx="3147562" cy="2160385"/>
+          </a:xfrm>
+          <a:prstGeom prst="ellipse">
+            <a:avLst/>
+          </a:prstGeom>
+          <a:solidFill>
+            <a:schemeClr val="accent1">
+              <a:alpha val="53000"/>
+            </a:schemeClr>
+          </a:solidFill>
+          <a:ln>
+            <a:noFill/>
+          </a:ln>
+        </p:spPr>
+        <p:style>
+          <a:lnRef idx="2">
+            <a:schemeClr val="accent1">
+              <a:shade val="50000"/>
+            </a:schemeClr>
+          </a:lnRef>
+          <a:fillRef idx="1">
+            <a:schemeClr val="accent1"/>
+          </a:fillRef>
+          <a:effectRef idx="0">
+            <a:schemeClr val="accent1"/>
+          </a:effectRef>
+          <a:fontRef idx="minor">
+            <a:schemeClr val="lt1"/>
+          </a:fontRef>
+        </p:style>
+        <p:txBody>
+          <a:bodyPr rtlCol="0" anchor="ctr"/>
+          <a:lstStyle/>
+          <a:p>
+            <a:r>
+              <a:rPr lang="en-US" sz="2900" b="1" dirty="0">
+                <a:solidFill>
+                  <a:schemeClr val="tx1">
+                    <a:alpha val="20000"/>
+                  </a:schemeClr>
+                </a:solidFill>
+              </a:rPr>
+              <a:t>Ecological Modelling</a:t>
+            </a:r>
+          </a:p>
+        </p:txBody>
+      </p:sp>
+      <p:sp>
+        <p:nvSpPr>
+          <p:cNvPr id="15" name="Oval 14">
+            <a:extLst>
+              <a:ext uri="{FF2B5EF4-FFF2-40B4-BE49-F238E27FC236}">
+                <a16:creationId xmlns:a16="http://schemas.microsoft.com/office/drawing/2014/main" id="{26631C71-A88D-724C-8052-30F3D4FF902F}"/>
+              </a:ext>
+            </a:extLst>
+          </p:cNvPr>
+          <p:cNvSpPr/>
+          <p:nvPr/>
+        </p:nvSpPr>
+        <p:spPr>
+          <a:xfrm>
+            <a:off x="5965911" y="3690257"/>
+            <a:ext cx="3249527" cy="2160384"/>
+          </a:xfrm>
+          <a:prstGeom prst="ellipse">
+            <a:avLst/>
+          </a:prstGeom>
+          <a:solidFill>
+            <a:schemeClr val="accent6">
+              <a:lumMod val="50000"/>
+              <a:alpha val="53000"/>
+            </a:schemeClr>
+          </a:solidFill>
+          <a:ln>
+            <a:noFill/>
+          </a:ln>
+        </p:spPr>
+        <p:style>
+          <a:lnRef idx="2">
+            <a:schemeClr val="accent1">
+              <a:shade val="50000"/>
+            </a:schemeClr>
+          </a:lnRef>
+          <a:fillRef idx="1">
+            <a:schemeClr val="accent1"/>
+          </a:fillRef>
+          <a:effectRef idx="0">
+            <a:schemeClr val="accent1"/>
+          </a:effectRef>
+          <a:fontRef idx="minor">
+            <a:schemeClr val="lt1"/>
+          </a:fontRef>
+        </p:style>
+        <p:txBody>
+          <a:bodyPr rtlCol="0" anchor="ctr"/>
+          <a:lstStyle/>
+          <a:p>
+            <a:pPr algn="r"/>
+            <a:r>
+              <a:rPr lang="en-US" sz="2900" b="1" dirty="0">
+                <a:solidFill>
+                  <a:schemeClr val="tx1">
+                    <a:alpha val="20000"/>
+                  </a:schemeClr>
+                </a:solidFill>
+              </a:rPr>
+              <a:t>Invasion Ecology</a:t>
+            </a:r>
+          </a:p>
+        </p:txBody>
+      </p:sp>
+      <p:sp>
+        <p:nvSpPr>
+          <p:cNvPr id="3" name="&quot;No&quot; Symbol 2">
+            <a:extLst>
+              <a:ext uri="{FF2B5EF4-FFF2-40B4-BE49-F238E27FC236}">
+                <a16:creationId xmlns:a16="http://schemas.microsoft.com/office/drawing/2014/main" id="{43BEE8C5-3467-A848-B65E-B6ABE71A8F8C}"/>
+              </a:ext>
+            </a:extLst>
+          </p:cNvPr>
+          <p:cNvSpPr/>
+          <p:nvPr/>
+        </p:nvSpPr>
+        <p:spPr>
+          <a:xfrm>
+            <a:off x="1995055" y="1122218"/>
+            <a:ext cx="8354290" cy="5709603"/>
+          </a:xfrm>
+          <a:prstGeom prst="noSmoking">
+            <a:avLst>
+              <a:gd name="adj" fmla="val 3625"/>
+            </a:avLst>
+          </a:prstGeom>
+          <a:solidFill>
+            <a:srgbClr val="FF0000"/>
+          </a:solidFill>
+          <a:ln w="0">
+            <a:noFill/>
+          </a:ln>
+        </p:spPr>
+        <p:style>
+          <a:lnRef idx="2">
+            <a:schemeClr val="accent1">
+              <a:shade val="50000"/>
+            </a:schemeClr>
+          </a:lnRef>
+          <a:fillRef idx="1">
+            <a:schemeClr val="accent1"/>
+          </a:fillRef>
+          <a:effectRef idx="0">
+            <a:schemeClr val="accent1"/>
+          </a:effectRef>
+          <a:fontRef idx="minor">
+            <a:schemeClr val="lt1"/>
+          </a:fontRef>
+        </p:style>
+        <p:txBody>
+          <a:bodyPr rtlCol="0" anchor="ctr"/>
+          <a:lstStyle/>
+          <a:p>
+            <a:pPr algn="ctr"/>
+            <a:endParaRPr lang="en-US">
+              <a:solidFill>
+                <a:schemeClr val="tx1"/>
+              </a:solidFill>
+            </a:endParaRPr>
+          </a:p>
+        </p:txBody>
+      </p:sp>
+    </p:spTree>
+    <p:extLst>
+      <p:ext uri="{BB962C8B-B14F-4D97-AF65-F5344CB8AC3E}">
+        <p14:creationId xmlns:p14="http://schemas.microsoft.com/office/powerpoint/2010/main" val="2761465045"/>
+      </p:ext>
+    </p:extLst>
+  </p:cSld>
+  <p:clrMapOvr>
+    <a:masterClrMapping/>
+  </p:clrMapOvr>
+</p:sld>
+</file>
+
+<file path=ppt/slides/slide14.xml><?xml version="1.0" encoding="utf-8"?>
+<p:sld xmlns:a="http://schemas.openxmlformats.org/drawingml/2006/main" xmlns:r="http://schemas.openxmlformats.org/officeDocument/2006/relationships" xmlns:p="http://schemas.openxmlformats.org/presentationml/2006/main">
+  <p:cSld>
+    <p:spTree>
+      <p:nvGrpSpPr>
+        <p:cNvPr id="1" name=""/>
+        <p:cNvGrpSpPr/>
+        <p:nvPr/>
+      </p:nvGrpSpPr>
+      <p:grpSpPr>
+        <a:xfrm>
+          <a:off x="0" y="0"/>
+          <a:ext cx="0" cy="0"/>
+          <a:chOff x="0" y="0"/>
+          <a:chExt cx="0" cy="0"/>
+        </a:xfrm>
+      </p:grpSpPr>
+      <p:sp>
+        <p:nvSpPr>
+          <p:cNvPr id="6" name="Oval 5">
+            <a:extLst>
+              <a:ext uri="{FF2B5EF4-FFF2-40B4-BE49-F238E27FC236}">
+                <a16:creationId xmlns:a16="http://schemas.microsoft.com/office/drawing/2014/main" id="{A1659773-8532-2F42-974A-2073277FBBBD}"/>
+              </a:ext>
+            </a:extLst>
+          </p:cNvPr>
+          <p:cNvSpPr/>
+          <p:nvPr/>
+        </p:nvSpPr>
+        <p:spPr>
+          <a:xfrm>
+            <a:off x="1995055" y="1246909"/>
+            <a:ext cx="8201889" cy="5584915"/>
+          </a:xfrm>
+          <a:prstGeom prst="ellipse">
+            <a:avLst/>
+          </a:prstGeom>
+          <a:solidFill>
+            <a:srgbClr val="FF0000">
+              <a:alpha val="17000"/>
+            </a:srgbClr>
+          </a:solidFill>
+          <a:ln>
+            <a:noFill/>
+          </a:ln>
+        </p:spPr>
+        <p:style>
+          <a:lnRef idx="2">
+            <a:schemeClr val="accent1">
+              <a:shade val="50000"/>
+            </a:schemeClr>
+          </a:lnRef>
+          <a:fillRef idx="1">
+            <a:schemeClr val="accent1"/>
+          </a:fillRef>
+          <a:effectRef idx="0">
+            <a:schemeClr val="accent1"/>
+          </a:effectRef>
+          <a:fontRef idx="minor">
+            <a:schemeClr val="lt1"/>
+          </a:fontRef>
+        </p:style>
+        <p:txBody>
+          <a:bodyPr rtlCol="0" anchor="t"/>
+          <a:lstStyle/>
+          <a:p>
+            <a:pPr algn="ctr"/>
+            <a:r>
+              <a:rPr lang="en-US" sz="3300" b="1" dirty="0">
+                <a:solidFill>
+                  <a:schemeClr val="tx1">
+                    <a:alpha val="20000"/>
+                  </a:schemeClr>
+                </a:solidFill>
+              </a:rPr>
+              <a:t>OPEN SCIENCE</a:t>
+            </a:r>
+          </a:p>
+        </p:txBody>
+      </p:sp>
+      <p:sp>
+        <p:nvSpPr>
+          <p:cNvPr id="12" name="Oval 11">
+            <a:extLst>
+              <a:ext uri="{FF2B5EF4-FFF2-40B4-BE49-F238E27FC236}">
+                <a16:creationId xmlns:a16="http://schemas.microsoft.com/office/drawing/2014/main" id="{55CD73F8-BA10-F245-9155-10B22A64D147}"/>
+              </a:ext>
+            </a:extLst>
+          </p:cNvPr>
+          <p:cNvSpPr/>
+          <p:nvPr/>
+        </p:nvSpPr>
+        <p:spPr>
+          <a:xfrm>
+            <a:off x="4592111" y="2562501"/>
+            <a:ext cx="3010621" cy="2371765"/>
+          </a:xfrm>
+          <a:prstGeom prst="ellipse">
+            <a:avLst/>
+          </a:prstGeom>
+          <a:solidFill>
+            <a:schemeClr val="accent4">
+              <a:lumMod val="60000"/>
+              <a:lumOff val="40000"/>
+              <a:alpha val="79000"/>
+            </a:schemeClr>
+          </a:solidFill>
+          <a:ln>
+            <a:noFill/>
+          </a:ln>
+        </p:spPr>
+        <p:style>
+          <a:lnRef idx="2">
+            <a:schemeClr val="accent1">
+              <a:shade val="50000"/>
+            </a:schemeClr>
+          </a:lnRef>
+          <a:fillRef idx="1">
+            <a:schemeClr val="accent1"/>
+          </a:fillRef>
+          <a:effectRef idx="0">
+            <a:schemeClr val="accent1"/>
+          </a:effectRef>
+          <a:fontRef idx="minor">
+            <a:schemeClr val="lt1"/>
+          </a:fontRef>
+        </p:style>
+        <p:txBody>
+          <a:bodyPr rtlCol="0" anchor="t"/>
+          <a:lstStyle/>
+          <a:p>
+            <a:pPr algn="ctr"/>
+            <a:r>
+              <a:rPr lang="en-US" sz="2900" b="1" dirty="0">
+                <a:solidFill>
+                  <a:schemeClr val="tx1">
+                    <a:alpha val="20000"/>
+                  </a:schemeClr>
+                </a:solidFill>
+              </a:rPr>
+              <a:t>Information Science</a:t>
+            </a:r>
+          </a:p>
+        </p:txBody>
+      </p:sp>
+      <p:sp>
+        <p:nvSpPr>
+          <p:cNvPr id="13" name="Oval 12">
+            <a:extLst>
+              <a:ext uri="{FF2B5EF4-FFF2-40B4-BE49-F238E27FC236}">
+                <a16:creationId xmlns:a16="http://schemas.microsoft.com/office/drawing/2014/main" id="{86999EC3-A4EA-7D40-A29D-911B0503B997}"/>
+              </a:ext>
+            </a:extLst>
+          </p:cNvPr>
+          <p:cNvSpPr/>
+          <p:nvPr/>
+        </p:nvSpPr>
+        <p:spPr>
+          <a:xfrm>
+            <a:off x="4880290" y="4518188"/>
+            <a:ext cx="2434265" cy="2313633"/>
+          </a:xfrm>
+          <a:prstGeom prst="ellipse">
+            <a:avLst/>
+          </a:prstGeom>
+          <a:solidFill>
+            <a:schemeClr val="bg2">
+              <a:lumMod val="50000"/>
+              <a:alpha val="53000"/>
+            </a:schemeClr>
+          </a:solidFill>
+          <a:ln>
+            <a:noFill/>
+          </a:ln>
+        </p:spPr>
+        <p:style>
+          <a:lnRef idx="2">
+            <a:schemeClr val="accent1">
+              <a:shade val="50000"/>
+            </a:schemeClr>
+          </a:lnRef>
+          <a:fillRef idx="1">
+            <a:schemeClr val="accent1"/>
+          </a:fillRef>
+          <a:effectRef idx="0">
+            <a:schemeClr val="accent1"/>
+          </a:effectRef>
+          <a:fontRef idx="minor">
+            <a:schemeClr val="lt1"/>
+          </a:fontRef>
+        </p:style>
+        <p:txBody>
+          <a:bodyPr rtlCol="0" anchor="b"/>
+          <a:lstStyle/>
+          <a:p>
+            <a:pPr algn="ctr"/>
+            <a:endParaRPr lang="en-US" sz="3300" b="1" dirty="0">
+              <a:solidFill>
+                <a:schemeClr val="tx1">
+                  <a:alpha val="20000"/>
+                </a:schemeClr>
+              </a:solidFill>
+            </a:endParaRPr>
+          </a:p>
+          <a:p>
+            <a:pPr algn="ctr"/>
+            <a:endParaRPr lang="en-US" sz="3300" b="1" dirty="0">
+              <a:solidFill>
+                <a:schemeClr val="tx1">
+                  <a:alpha val="20000"/>
+                </a:schemeClr>
+              </a:solidFill>
+            </a:endParaRPr>
+          </a:p>
+          <a:p>
+            <a:pPr algn="ctr"/>
+            <a:endParaRPr lang="en-US" sz="3300" b="1" dirty="0">
+              <a:solidFill>
+                <a:schemeClr val="tx1">
+                  <a:alpha val="20000"/>
+                </a:schemeClr>
+              </a:solidFill>
+            </a:endParaRPr>
+          </a:p>
+          <a:p>
+            <a:pPr algn="ctr"/>
+            <a:r>
+              <a:rPr lang="en-US" sz="2900" b="1" dirty="0">
+                <a:solidFill>
+                  <a:schemeClr val="tx1">
+                    <a:alpha val="20000"/>
+                  </a:schemeClr>
+                </a:solidFill>
+              </a:rPr>
+              <a:t>Avian Ecology</a:t>
+            </a:r>
+          </a:p>
+        </p:txBody>
+      </p:sp>
+      <p:sp>
+        <p:nvSpPr>
+          <p:cNvPr id="14" name="Oval 13">
+            <a:extLst>
+              <a:ext uri="{FF2B5EF4-FFF2-40B4-BE49-F238E27FC236}">
+                <a16:creationId xmlns:a16="http://schemas.microsoft.com/office/drawing/2014/main" id="{FB00A735-A160-D04D-8BA3-66523B2CD1D4}"/>
+              </a:ext>
+            </a:extLst>
+          </p:cNvPr>
+          <p:cNvSpPr/>
+          <p:nvPr/>
+        </p:nvSpPr>
+        <p:spPr>
+          <a:xfrm>
+            <a:off x="2828925" y="3748387"/>
+            <a:ext cx="3147562" cy="2160385"/>
+          </a:xfrm>
+          <a:prstGeom prst="ellipse">
+            <a:avLst/>
+          </a:prstGeom>
+          <a:solidFill>
+            <a:schemeClr val="accent1">
+              <a:alpha val="53000"/>
+            </a:schemeClr>
+          </a:solidFill>
+          <a:ln>
+            <a:noFill/>
+          </a:ln>
+        </p:spPr>
+        <p:style>
+          <a:lnRef idx="2">
+            <a:schemeClr val="accent1">
+              <a:shade val="50000"/>
+            </a:schemeClr>
+          </a:lnRef>
+          <a:fillRef idx="1">
+            <a:schemeClr val="accent1"/>
+          </a:fillRef>
+          <a:effectRef idx="0">
+            <a:schemeClr val="accent1"/>
+          </a:effectRef>
+          <a:fontRef idx="minor">
+            <a:schemeClr val="lt1"/>
+          </a:fontRef>
+        </p:style>
+        <p:txBody>
+          <a:bodyPr rtlCol="0" anchor="ctr"/>
+          <a:lstStyle/>
+          <a:p>
+            <a:r>
+              <a:rPr lang="en-US" sz="2900" b="1" dirty="0">
+                <a:solidFill>
+                  <a:schemeClr val="tx1">
+                    <a:alpha val="20000"/>
+                  </a:schemeClr>
+                </a:solidFill>
+              </a:rPr>
+              <a:t>Ecological Modelling</a:t>
+            </a:r>
+          </a:p>
+        </p:txBody>
+      </p:sp>
+      <p:sp>
+        <p:nvSpPr>
+          <p:cNvPr id="15" name="Oval 14">
+            <a:extLst>
+              <a:ext uri="{FF2B5EF4-FFF2-40B4-BE49-F238E27FC236}">
+                <a16:creationId xmlns:a16="http://schemas.microsoft.com/office/drawing/2014/main" id="{26631C71-A88D-724C-8052-30F3D4FF902F}"/>
+              </a:ext>
+            </a:extLst>
+          </p:cNvPr>
+          <p:cNvSpPr/>
+          <p:nvPr/>
+        </p:nvSpPr>
+        <p:spPr>
+          <a:xfrm>
+            <a:off x="5965911" y="3690257"/>
+            <a:ext cx="3249527" cy="2160384"/>
+          </a:xfrm>
+          <a:prstGeom prst="ellipse">
+            <a:avLst/>
+          </a:prstGeom>
+          <a:solidFill>
+            <a:schemeClr val="accent6">
+              <a:lumMod val="50000"/>
+              <a:alpha val="53000"/>
+            </a:schemeClr>
+          </a:solidFill>
+          <a:ln>
+            <a:noFill/>
+          </a:ln>
+        </p:spPr>
+        <p:style>
+          <a:lnRef idx="2">
+            <a:schemeClr val="accent1">
+              <a:shade val="50000"/>
+            </a:schemeClr>
+          </a:lnRef>
+          <a:fillRef idx="1">
+            <a:schemeClr val="accent1"/>
+          </a:fillRef>
+          <a:effectRef idx="0">
+            <a:schemeClr val="accent1"/>
+          </a:effectRef>
+          <a:fontRef idx="minor">
+            <a:schemeClr val="lt1"/>
+          </a:fontRef>
+        </p:style>
+        <p:txBody>
+          <a:bodyPr rtlCol="0" anchor="ctr"/>
+          <a:lstStyle/>
+          <a:p>
+            <a:pPr algn="r"/>
+            <a:r>
+              <a:rPr lang="en-US" sz="2900" b="1" dirty="0">
+                <a:solidFill>
+                  <a:schemeClr val="tx1">
+                    <a:alpha val="20000"/>
+                  </a:schemeClr>
+                </a:solidFill>
+              </a:rPr>
+              <a:t>Invasion Ecology</a:t>
+            </a:r>
+          </a:p>
+        </p:txBody>
+      </p:sp>
+      <p:sp>
+        <p:nvSpPr>
+          <p:cNvPr id="9" name="&quot;No&quot; Symbol 8">
+            <a:extLst>
+              <a:ext uri="{FF2B5EF4-FFF2-40B4-BE49-F238E27FC236}">
+                <a16:creationId xmlns:a16="http://schemas.microsoft.com/office/drawing/2014/main" id="{1F01959D-6C59-7642-AC86-4C42225F09B7}"/>
+              </a:ext>
+            </a:extLst>
+          </p:cNvPr>
+          <p:cNvSpPr/>
+          <p:nvPr/>
+        </p:nvSpPr>
+        <p:spPr>
+          <a:xfrm>
+            <a:off x="1995055" y="1122218"/>
+            <a:ext cx="8354290" cy="5709603"/>
+          </a:xfrm>
+          <a:prstGeom prst="noSmoking">
+            <a:avLst>
+              <a:gd name="adj" fmla="val 3625"/>
+            </a:avLst>
+          </a:prstGeom>
+          <a:solidFill>
+            <a:srgbClr val="FF0000"/>
+          </a:solidFill>
+          <a:ln w="0">
+            <a:noFill/>
+          </a:ln>
+        </p:spPr>
+        <p:style>
+          <a:lnRef idx="2">
+            <a:schemeClr val="accent1">
+              <a:shade val="50000"/>
+            </a:schemeClr>
+          </a:lnRef>
+          <a:fillRef idx="1">
+            <a:schemeClr val="accent1"/>
+          </a:fillRef>
+          <a:effectRef idx="0">
+            <a:schemeClr val="accent1"/>
+          </a:effectRef>
+          <a:fontRef idx="minor">
+            <a:schemeClr val="lt1"/>
+          </a:fontRef>
+        </p:style>
+        <p:txBody>
+          <a:bodyPr rtlCol="0" anchor="ctr"/>
+          <a:lstStyle/>
+          <a:p>
+            <a:pPr algn="ctr"/>
+            <a:endParaRPr lang="en-US">
+              <a:solidFill>
+                <a:schemeClr val="tx1"/>
+              </a:solidFill>
+            </a:endParaRPr>
+          </a:p>
+        </p:txBody>
+      </p:sp>
+      <p:sp>
+        <p:nvSpPr>
+          <p:cNvPr id="4" name="Rounded Rectangle 3">
+            <a:extLst>
+              <a:ext uri="{FF2B5EF4-FFF2-40B4-BE49-F238E27FC236}">
+                <a16:creationId xmlns:a16="http://schemas.microsoft.com/office/drawing/2014/main" id="{81DC359D-8C01-3D42-89C1-ACC1C62B8CBE}"/>
+              </a:ext>
+            </a:extLst>
+          </p:cNvPr>
+          <p:cNvSpPr/>
+          <p:nvPr/>
+        </p:nvSpPr>
+        <p:spPr>
+          <a:xfrm>
+            <a:off x="184591" y="110674"/>
+            <a:ext cx="7864900" cy="4823592"/>
+          </a:xfrm>
+          <a:prstGeom prst="roundRect">
+            <a:avLst/>
+          </a:prstGeom>
+        </p:spPr>
+        <p:style>
+          <a:lnRef idx="2">
+            <a:schemeClr val="accent1">
+              <a:shade val="50000"/>
+            </a:schemeClr>
+          </a:lnRef>
+          <a:fillRef idx="1">
+            <a:schemeClr val="accent1"/>
+          </a:fillRef>
+          <a:effectRef idx="0">
+            <a:schemeClr val="accent1"/>
+          </a:effectRef>
+          <a:fontRef idx="minor">
+            <a:schemeClr val="lt1"/>
+          </a:fontRef>
+        </p:style>
+        <p:txBody>
+          <a:bodyPr rtlCol="0" anchor="ctr"/>
+          <a:lstStyle/>
+          <a:p>
+            <a:pPr marL="857250" indent="-857250">
+              <a:buFont typeface="Arial" panose="020B0604020202020204" pitchFamily="34" charset="0"/>
+              <a:buChar char="•"/>
+            </a:pPr>
+            <a:r>
+              <a:rPr lang="en-US" sz="7200" dirty="0">
+                <a:solidFill>
+                  <a:schemeClr val="accent4">
+                    <a:lumMod val="60000"/>
+                    <a:lumOff val="40000"/>
+                  </a:schemeClr>
+                </a:solidFill>
+              </a:rPr>
+              <a:t>End-users</a:t>
+            </a:r>
+          </a:p>
+          <a:p>
+            <a:pPr marL="857250" indent="-857250">
+              <a:buFont typeface="Arial" panose="020B0604020202020204" pitchFamily="34" charset="0"/>
+              <a:buChar char="•"/>
+            </a:pPr>
+            <a:r>
+              <a:rPr lang="en-US" sz="7200" dirty="0">
+                <a:solidFill>
+                  <a:schemeClr val="accent4">
+                    <a:lumMod val="60000"/>
+                    <a:lumOff val="40000"/>
+                  </a:schemeClr>
+                </a:solidFill>
+              </a:rPr>
+              <a:t>Practitioners</a:t>
+            </a:r>
+          </a:p>
+          <a:p>
+            <a:pPr marL="857250" indent="-857250">
+              <a:buFont typeface="Arial" panose="020B0604020202020204" pitchFamily="34" charset="0"/>
+              <a:buChar char="•"/>
+            </a:pPr>
+            <a:r>
+              <a:rPr lang="en-US" sz="7200" dirty="0">
+                <a:solidFill>
+                  <a:schemeClr val="accent4">
+                    <a:lumMod val="60000"/>
+                    <a:lumOff val="40000"/>
+                  </a:schemeClr>
+                </a:solidFill>
+              </a:rPr>
+              <a:t>Decision Makers</a:t>
+            </a:r>
+          </a:p>
+        </p:txBody>
+      </p:sp>
+    </p:spTree>
+    <p:extLst>
+      <p:ext uri="{BB962C8B-B14F-4D97-AF65-F5344CB8AC3E}">
+        <p14:creationId xmlns:p14="http://schemas.microsoft.com/office/powerpoint/2010/main" val="303572013"/>
       </p:ext>
     </p:extLst>
   </p:cSld>
@@ -3624,10 +5566,10 @@
       </p:grpSpPr>
       <p:sp>
         <p:nvSpPr>
-          <p:cNvPr id="4" name="Oval 3">
-            <a:extLst>
-              <a:ext uri="{FF2B5EF4-FFF2-40B4-BE49-F238E27FC236}">
-                <a16:creationId xmlns:a16="http://schemas.microsoft.com/office/drawing/2014/main" id="{CC1A6AD5-C38C-D441-B040-A7989BACF39A}"/>
+          <p:cNvPr id="8" name="Oval 7">
+            <a:extLst>
+              <a:ext uri="{FF2B5EF4-FFF2-40B4-BE49-F238E27FC236}">
+                <a16:creationId xmlns:a16="http://schemas.microsoft.com/office/drawing/2014/main" id="{A7AEC8CB-A865-0B44-96C3-06CAB6351B3B}"/>
               </a:ext>
             </a:extLst>
           </p:cNvPr>
@@ -3636,129 +5578,8 @@
         </p:nvSpPr>
         <p:spPr>
           <a:xfrm>
-            <a:off x="2563906" y="0"/>
-            <a:ext cx="7602070" cy="6831823"/>
-          </a:xfrm>
-          <a:prstGeom prst="ellipse">
-            <a:avLst/>
-          </a:prstGeom>
-          <a:solidFill>
-            <a:schemeClr val="accent2">
-              <a:alpha val="53000"/>
-            </a:schemeClr>
-          </a:solidFill>
-          <a:ln>
-            <a:noFill/>
-          </a:ln>
-        </p:spPr>
-        <p:style>
-          <a:lnRef idx="2">
-            <a:schemeClr val="accent1">
-              <a:shade val="50000"/>
-            </a:schemeClr>
-          </a:lnRef>
-          <a:fillRef idx="1">
-            <a:schemeClr val="accent1"/>
-          </a:fillRef>
-          <a:effectRef idx="0">
-            <a:schemeClr val="accent1"/>
-          </a:effectRef>
-          <a:fontRef idx="minor">
-            <a:schemeClr val="lt1"/>
-          </a:fontRef>
-        </p:style>
-        <p:txBody>
-          <a:bodyPr rtlCol="0" anchor="t"/>
-          <a:lstStyle/>
-          <a:p>
-            <a:pPr algn="ctr"/>
-            <a:r>
-              <a:rPr lang="en-US" sz="3300" b="1" dirty="0">
-                <a:solidFill>
-                  <a:schemeClr val="tx1"/>
-                </a:solidFill>
-              </a:rPr>
-              <a:t>USGS EFFORTS</a:t>
-            </a:r>
-          </a:p>
-        </p:txBody>
-      </p:sp>
-      <p:sp>
-        <p:nvSpPr>
-          <p:cNvPr id="5" name="Oval 4">
-            <a:extLst>
-              <a:ext uri="{FF2B5EF4-FFF2-40B4-BE49-F238E27FC236}">
-                <a16:creationId xmlns:a16="http://schemas.microsoft.com/office/drawing/2014/main" id="{FF51D7BD-E0E2-E048-8789-A8C4A0AC1CCF}"/>
-              </a:ext>
-            </a:extLst>
-          </p:cNvPr>
-          <p:cNvSpPr/>
-          <p:nvPr/>
-        </p:nvSpPr>
-        <p:spPr>
-          <a:xfrm>
-            <a:off x="3190955" y="1788725"/>
-            <a:ext cx="3629262" cy="3511297"/>
-          </a:xfrm>
-          <a:prstGeom prst="ellipse">
-            <a:avLst/>
-          </a:prstGeom>
-          <a:solidFill>
-            <a:schemeClr val="accent1">
-              <a:alpha val="53000"/>
-            </a:schemeClr>
-          </a:solidFill>
-          <a:ln>
-            <a:noFill/>
-          </a:ln>
-        </p:spPr>
-        <p:style>
-          <a:lnRef idx="2">
-            <a:schemeClr val="accent1">
-              <a:shade val="50000"/>
-            </a:schemeClr>
-          </a:lnRef>
-          <a:fillRef idx="1">
-            <a:schemeClr val="accent1"/>
-          </a:fillRef>
-          <a:effectRef idx="0">
-            <a:schemeClr val="accent1"/>
-          </a:effectRef>
-          <a:fontRef idx="minor">
-            <a:schemeClr val="lt1"/>
-          </a:fontRef>
-        </p:style>
-        <p:txBody>
-          <a:bodyPr rtlCol="0" anchor="t"/>
-          <a:lstStyle/>
-          <a:p>
-            <a:r>
-              <a:rPr lang="en-US" sz="3300" b="1" dirty="0">
-                <a:solidFill>
-                  <a:schemeClr val="tx1"/>
-                </a:solidFill>
-              </a:rPr>
-              <a:t>Synthesis</a:t>
-            </a:r>
-          </a:p>
-        </p:txBody>
-      </p:sp>
-      <p:sp>
-        <p:nvSpPr>
-          <p:cNvPr id="6" name="Oval 5">
-            <a:extLst>
-              <a:ext uri="{FF2B5EF4-FFF2-40B4-BE49-F238E27FC236}">
-                <a16:creationId xmlns:a16="http://schemas.microsoft.com/office/drawing/2014/main" id="{6C14011A-D125-C34B-B02D-E28CCF3D9FF9}"/>
-              </a:ext>
-            </a:extLst>
-          </p:cNvPr>
-          <p:cNvSpPr/>
-          <p:nvPr/>
-        </p:nvSpPr>
-        <p:spPr>
-          <a:xfrm>
-            <a:off x="4628830" y="3406587"/>
-            <a:ext cx="3512562" cy="3425235"/>
+            <a:off x="4880290" y="4518188"/>
+            <a:ext cx="2434265" cy="2313633"/>
           </a:xfrm>
           <a:prstGeom prst="ellipse">
             <a:avLst/>
@@ -3819,74 +5640,12 @@
           <a:p>
             <a:pPr algn="ctr"/>
             <a:r>
-              <a:rPr lang="en-US" sz="3300" b="1" dirty="0">
+              <a:rPr lang="en-US" sz="2900" b="1" dirty="0">
                 <a:solidFill>
                   <a:schemeClr val="tx1"/>
                 </a:solidFill>
               </a:rPr>
-              <a:t>Ecological</a:t>
-            </a:r>
-          </a:p>
-        </p:txBody>
-      </p:sp>
-      <p:sp>
-        <p:nvSpPr>
-          <p:cNvPr id="7" name="Oval 6">
-            <a:extLst>
-              <a:ext uri="{FF2B5EF4-FFF2-40B4-BE49-F238E27FC236}">
-                <a16:creationId xmlns:a16="http://schemas.microsoft.com/office/drawing/2014/main" id="{26EEBC18-415E-604D-9FCA-81C6EF7F6055}"/>
-              </a:ext>
-            </a:extLst>
-          </p:cNvPr>
-          <p:cNvSpPr/>
-          <p:nvPr/>
-        </p:nvSpPr>
-        <p:spPr>
-          <a:xfrm>
-            <a:off x="6111604" y="1772681"/>
-            <a:ext cx="3467663" cy="3511296"/>
-          </a:xfrm>
-          <a:prstGeom prst="ellipse">
-            <a:avLst/>
-          </a:prstGeom>
-          <a:solidFill>
-            <a:schemeClr val="accent6">
-              <a:lumMod val="50000"/>
-              <a:alpha val="53000"/>
-            </a:schemeClr>
-          </a:solidFill>
-          <a:ln>
-            <a:noFill/>
-          </a:ln>
-        </p:spPr>
-        <p:style>
-          <a:lnRef idx="2">
-            <a:schemeClr val="accent1">
-              <a:shade val="50000"/>
-            </a:schemeClr>
-          </a:lnRef>
-          <a:fillRef idx="1">
-            <a:schemeClr val="accent1"/>
-          </a:fillRef>
-          <a:effectRef idx="0">
-            <a:schemeClr val="accent1"/>
-          </a:effectRef>
-          <a:fontRef idx="minor">
-            <a:schemeClr val="lt1"/>
-          </a:fontRef>
-        </p:style>
-        <p:txBody>
-          <a:bodyPr rtlCol="0" anchor="t"/>
-          <a:lstStyle/>
-          <a:p>
-            <a:pPr algn="r"/>
-            <a:r>
-              <a:rPr lang="en-US" sz="3300" b="1" dirty="0">
-                <a:solidFill>
-                  <a:schemeClr val="tx1"/>
-                </a:solidFill>
-              </a:rPr>
-              <a:t>Applications &amp; Decisions</a:t>
+              <a:t>Avian Ecology</a:t>
             </a:r>
           </a:p>
         </p:txBody>
@@ -3894,7 +5653,7 @@
     </p:spTree>
     <p:extLst>
       <p:ext uri="{BB962C8B-B14F-4D97-AF65-F5344CB8AC3E}">
-        <p14:creationId xmlns:p14="http://schemas.microsoft.com/office/powerpoint/2010/main" val="942042303"/>
+        <p14:creationId xmlns:p14="http://schemas.microsoft.com/office/powerpoint/2010/main" val="149664392"/>
       </p:ext>
     </p:extLst>
   </p:cSld>
@@ -3921,115 +5680,1795 @@
           <a:chExt cx="0" cy="0"/>
         </a:xfrm>
       </p:grpSpPr>
-      <p:sp>
-        <p:nvSpPr>
-          <p:cNvPr id="2" name="TextBox 1">
-            <a:extLst>
-              <a:ext uri="{FF2B5EF4-FFF2-40B4-BE49-F238E27FC236}">
-                <a16:creationId xmlns:a16="http://schemas.microsoft.com/office/drawing/2014/main" id="{DEABC638-DCEA-5042-A993-1B433E63546F}"/>
-              </a:ext>
-            </a:extLst>
-          </p:cNvPr>
-          <p:cNvSpPr txBox="1"/>
+      <p:pic>
+        <p:nvPicPr>
+          <p:cNvPr id="11" name="Picture 10">
+            <a:extLst>
+              <a:ext uri="{FF2B5EF4-FFF2-40B4-BE49-F238E27FC236}">
+                <a16:creationId xmlns:a16="http://schemas.microsoft.com/office/drawing/2014/main" id="{BF3D4DF0-4A8F-8841-92B1-C17AA5C36EE9}"/>
+              </a:ext>
+            </a:extLst>
+          </p:cNvPr>
+          <p:cNvPicPr>
+            <a:picLocks noChangeAspect="1"/>
+          </p:cNvPicPr>
           <p:nvPr/>
-        </p:nvSpPr>
-        <p:spPr>
-          <a:xfrm>
-            <a:off x="1275008" y="828676"/>
-            <a:ext cx="6368805" cy="5653642"/>
+        </p:nvPicPr>
+        <p:blipFill>
+          <a:blip r:embed="rId2"/>
+          <a:stretch>
+            <a:fillRect/>
+          </a:stretch>
+        </p:blipFill>
+        <p:spPr>
+          <a:xfrm>
+            <a:off x="6185647" y="800432"/>
+            <a:ext cx="6006353" cy="2196474"/>
           </a:xfrm>
           <a:prstGeom prst="rect">
             <a:avLst/>
           </a:prstGeom>
-          <a:noFill/>
-        </p:spPr>
-        <p:txBody>
-          <a:bodyPr wrap="square" rtlCol="0">
-            <a:spAutoFit/>
-          </a:bodyPr>
-          <a:lstStyle/>
-          <a:p>
-            <a:r>
-              <a:rPr lang="en-US" sz="8800" dirty="0">
+        </p:spPr>
+      </p:pic>
+      <p:sp>
+        <p:nvSpPr>
+          <p:cNvPr id="8" name="Oval 7">
+            <a:extLst>
+              <a:ext uri="{FF2B5EF4-FFF2-40B4-BE49-F238E27FC236}">
+                <a16:creationId xmlns:a16="http://schemas.microsoft.com/office/drawing/2014/main" id="{A7AEC8CB-A865-0B44-96C3-06CAB6351B3B}"/>
+              </a:ext>
+            </a:extLst>
+          </p:cNvPr>
+          <p:cNvSpPr/>
+          <p:nvPr/>
+        </p:nvSpPr>
+        <p:spPr>
+          <a:xfrm>
+            <a:off x="4880290" y="4518188"/>
+            <a:ext cx="2434265" cy="2313633"/>
+          </a:xfrm>
+          <a:prstGeom prst="ellipse">
+            <a:avLst/>
+          </a:prstGeom>
+          <a:solidFill>
+            <a:schemeClr val="bg2">
+              <a:lumMod val="50000"/>
+              <a:alpha val="53000"/>
+            </a:schemeClr>
+          </a:solidFill>
+          <a:ln>
+            <a:noFill/>
+          </a:ln>
+        </p:spPr>
+        <p:style>
+          <a:lnRef idx="2">
+            <a:schemeClr val="accent1">
+              <a:shade val="50000"/>
+            </a:schemeClr>
+          </a:lnRef>
+          <a:fillRef idx="1">
+            <a:schemeClr val="accent1"/>
+          </a:fillRef>
+          <a:effectRef idx="0">
+            <a:schemeClr val="accent1"/>
+          </a:effectRef>
+          <a:fontRef idx="minor">
+            <a:schemeClr val="lt1"/>
+          </a:fontRef>
+        </p:style>
+        <p:txBody>
+          <a:bodyPr rtlCol="0" anchor="b"/>
+          <a:lstStyle/>
+          <a:p>
+            <a:pPr algn="ctr"/>
+            <a:endParaRPr lang="en-US" sz="3300" b="1" dirty="0">
+              <a:solidFill>
+                <a:schemeClr val="tx1"/>
+              </a:solidFill>
+            </a:endParaRPr>
+          </a:p>
+          <a:p>
+            <a:pPr algn="ctr"/>
+            <a:endParaRPr lang="en-US" sz="3300" b="1" dirty="0">
+              <a:solidFill>
+                <a:schemeClr val="tx1"/>
+              </a:solidFill>
+            </a:endParaRPr>
+          </a:p>
+          <a:p>
+            <a:pPr algn="ctr"/>
+            <a:endParaRPr lang="en-US" sz="3300" b="1" dirty="0">
+              <a:solidFill>
+                <a:schemeClr val="tx1"/>
+              </a:solidFill>
+            </a:endParaRPr>
+          </a:p>
+          <a:p>
+            <a:pPr algn="ctr"/>
+            <a:r>
+              <a:rPr lang="en-US" sz="2900" b="1" dirty="0">
                 <a:solidFill>
-                  <a:srgbClr val="FF0000"/>
+                  <a:schemeClr val="tx1"/>
                 </a:solidFill>
-                <a:latin typeface="Consolas" panose="020B0609020204030204" pitchFamily="49" charset="0"/>
-                <a:cs typeface="Consolas" panose="020B0609020204030204" pitchFamily="49" charset="0"/>
               </a:rPr>
-              <a:t>F</a:t>
-            </a:r>
-            <a:r>
-              <a:rPr lang="en-US" sz="6500" dirty="0">
-                <a:latin typeface="Consolas" panose="020B0609020204030204" pitchFamily="49" charset="0"/>
-                <a:cs typeface="Consolas" panose="020B0609020204030204" pitchFamily="49" charset="0"/>
-              </a:rPr>
-              <a:t>indable</a:t>
-            </a:r>
-          </a:p>
-          <a:p>
-            <a:r>
-              <a:rPr lang="en-US" sz="9600" dirty="0">
-                <a:solidFill>
-                  <a:srgbClr val="FF0000"/>
-                </a:solidFill>
-                <a:latin typeface="Consolas" panose="020B0609020204030204" pitchFamily="49" charset="0"/>
-                <a:cs typeface="Consolas" panose="020B0609020204030204" pitchFamily="49" charset="0"/>
-              </a:rPr>
-              <a:t>A</a:t>
-            </a:r>
-            <a:r>
-              <a:rPr lang="en-US" sz="6600" dirty="0">
-                <a:latin typeface="Consolas" panose="020B0609020204030204" pitchFamily="49" charset="0"/>
-                <a:cs typeface="Consolas" panose="020B0609020204030204" pitchFamily="49" charset="0"/>
-              </a:rPr>
-              <a:t>ccessible</a:t>
-            </a:r>
-          </a:p>
-          <a:p>
-            <a:r>
-              <a:rPr lang="en-US" sz="8800" dirty="0">
-                <a:solidFill>
-                  <a:srgbClr val="FF0000"/>
-                </a:solidFill>
-                <a:latin typeface="Consolas" panose="020B0609020204030204" pitchFamily="49" charset="0"/>
-                <a:cs typeface="Consolas" panose="020B0609020204030204" pitchFamily="49" charset="0"/>
-              </a:rPr>
-              <a:t>I</a:t>
-            </a:r>
-            <a:r>
-              <a:rPr lang="en-US" sz="6500" dirty="0">
-                <a:latin typeface="Consolas" panose="020B0609020204030204" pitchFamily="49" charset="0"/>
-                <a:cs typeface="Consolas" panose="020B0609020204030204" pitchFamily="49" charset="0"/>
-              </a:rPr>
-              <a:t>nteroperable</a:t>
-            </a:r>
-          </a:p>
-          <a:p>
-            <a:r>
-              <a:rPr lang="en-US" sz="8800" dirty="0">
-                <a:solidFill>
-                  <a:srgbClr val="FF0000"/>
-                </a:solidFill>
-                <a:latin typeface="Consolas" panose="020B0609020204030204" pitchFamily="49" charset="0"/>
-                <a:cs typeface="Consolas" panose="020B0609020204030204" pitchFamily="49" charset="0"/>
-              </a:rPr>
-              <a:t>R</a:t>
-            </a:r>
-            <a:r>
-              <a:rPr lang="en-US" sz="6500" dirty="0">
-                <a:latin typeface="Consolas" panose="020B0609020204030204" pitchFamily="49" charset="0"/>
-                <a:cs typeface="Consolas" panose="020B0609020204030204" pitchFamily="49" charset="0"/>
-              </a:rPr>
-              <a:t>eusable</a:t>
-            </a:r>
-          </a:p>
-        </p:txBody>
-      </p:sp>
+              <a:t>Avian Ecology</a:t>
+            </a:r>
+          </a:p>
+        </p:txBody>
+      </p:sp>
+      <p:pic>
+        <p:nvPicPr>
+          <p:cNvPr id="19" name="Picture 18">
+            <a:extLst>
+              <a:ext uri="{FF2B5EF4-FFF2-40B4-BE49-F238E27FC236}">
+                <a16:creationId xmlns:a16="http://schemas.microsoft.com/office/drawing/2014/main" id="{D3065426-6F51-8C4F-8680-B5AB9B651245}"/>
+              </a:ext>
+            </a:extLst>
+          </p:cNvPr>
+          <p:cNvPicPr>
+            <a:picLocks noChangeAspect="1"/>
+          </p:cNvPicPr>
+          <p:nvPr/>
+        </p:nvPicPr>
+        <p:blipFill>
+          <a:blip r:embed="rId3"/>
+          <a:stretch>
+            <a:fillRect/>
+          </a:stretch>
+        </p:blipFill>
+        <p:spPr>
+          <a:xfrm>
+            <a:off x="7680979" y="2996906"/>
+            <a:ext cx="2097741" cy="3030070"/>
+          </a:xfrm>
+          <a:prstGeom prst="rect">
+            <a:avLst/>
+          </a:prstGeom>
+        </p:spPr>
+      </p:pic>
+      <p:pic>
+        <p:nvPicPr>
+          <p:cNvPr id="17" name="Picture 16">
+            <a:extLst>
+              <a:ext uri="{FF2B5EF4-FFF2-40B4-BE49-F238E27FC236}">
+                <a16:creationId xmlns:a16="http://schemas.microsoft.com/office/drawing/2014/main" id="{56263DA3-6EC4-0B4C-874B-D648601ED47F}"/>
+              </a:ext>
+            </a:extLst>
+          </p:cNvPr>
+          <p:cNvPicPr>
+            <a:picLocks noChangeAspect="1"/>
+          </p:cNvPicPr>
+          <p:nvPr/>
+        </p:nvPicPr>
+        <p:blipFill>
+          <a:blip r:embed="rId4"/>
+          <a:stretch>
+            <a:fillRect/>
+          </a:stretch>
+        </p:blipFill>
+        <p:spPr>
+          <a:xfrm>
+            <a:off x="9540211" y="4675207"/>
+            <a:ext cx="2434569" cy="1999593"/>
+          </a:xfrm>
+          <a:prstGeom prst="rect">
+            <a:avLst/>
+          </a:prstGeom>
+        </p:spPr>
+      </p:pic>
     </p:spTree>
     <p:extLst>
       <p:ext uri="{BB962C8B-B14F-4D97-AF65-F5344CB8AC3E}">
-        <p14:creationId xmlns:p14="http://schemas.microsoft.com/office/powerpoint/2010/main" val="47078233"/>
+        <p14:creationId xmlns:p14="http://schemas.microsoft.com/office/powerpoint/2010/main" val="177286786"/>
+      </p:ext>
+    </p:extLst>
+  </p:cSld>
+  <p:clrMapOvr>
+    <a:masterClrMapping/>
+  </p:clrMapOvr>
+</p:sld>
+</file>
+
+<file path=ppt/slides/slide4.xml><?xml version="1.0" encoding="utf-8"?>
+<p:sld xmlns:a="http://schemas.openxmlformats.org/drawingml/2006/main" xmlns:r="http://schemas.openxmlformats.org/officeDocument/2006/relationships" xmlns:p="http://schemas.openxmlformats.org/presentationml/2006/main">
+  <p:cSld>
+    <p:spTree>
+      <p:nvGrpSpPr>
+        <p:cNvPr id="1" name=""/>
+        <p:cNvGrpSpPr/>
+        <p:nvPr/>
+      </p:nvGrpSpPr>
+      <p:grpSpPr>
+        <a:xfrm>
+          <a:off x="0" y="0"/>
+          <a:ext cx="0" cy="0"/>
+          <a:chOff x="0" y="0"/>
+          <a:chExt cx="0" cy="0"/>
+        </a:xfrm>
+      </p:grpSpPr>
+      <p:pic>
+        <p:nvPicPr>
+          <p:cNvPr id="13" name="Picture 12">
+            <a:extLst>
+              <a:ext uri="{FF2B5EF4-FFF2-40B4-BE49-F238E27FC236}">
+                <a16:creationId xmlns:a16="http://schemas.microsoft.com/office/drawing/2014/main" id="{19158BEA-2C14-7B47-9408-7916EB11DB6A}"/>
+              </a:ext>
+            </a:extLst>
+          </p:cNvPr>
+          <p:cNvPicPr>
+            <a:picLocks noChangeAspect="1"/>
+          </p:cNvPicPr>
+          <p:nvPr/>
+        </p:nvPicPr>
+        <p:blipFill>
+          <a:blip r:embed="rId2"/>
+          <a:stretch>
+            <a:fillRect/>
+          </a:stretch>
+        </p:blipFill>
+        <p:spPr>
+          <a:xfrm>
+            <a:off x="111978" y="800432"/>
+            <a:ext cx="5921335" cy="1977899"/>
+          </a:xfrm>
+          <a:prstGeom prst="rect">
+            <a:avLst/>
+          </a:prstGeom>
+        </p:spPr>
+      </p:pic>
+      <p:sp>
+        <p:nvSpPr>
+          <p:cNvPr id="8" name="Oval 7">
+            <a:extLst>
+              <a:ext uri="{FF2B5EF4-FFF2-40B4-BE49-F238E27FC236}">
+                <a16:creationId xmlns:a16="http://schemas.microsoft.com/office/drawing/2014/main" id="{A7AEC8CB-A865-0B44-96C3-06CAB6351B3B}"/>
+              </a:ext>
+            </a:extLst>
+          </p:cNvPr>
+          <p:cNvSpPr/>
+          <p:nvPr/>
+        </p:nvSpPr>
+        <p:spPr>
+          <a:xfrm>
+            <a:off x="4880290" y="4518188"/>
+            <a:ext cx="2434265" cy="2313633"/>
+          </a:xfrm>
+          <a:prstGeom prst="ellipse">
+            <a:avLst/>
+          </a:prstGeom>
+          <a:solidFill>
+            <a:schemeClr val="bg2">
+              <a:lumMod val="50000"/>
+              <a:alpha val="53000"/>
+            </a:schemeClr>
+          </a:solidFill>
+          <a:ln>
+            <a:noFill/>
+          </a:ln>
+        </p:spPr>
+        <p:style>
+          <a:lnRef idx="2">
+            <a:schemeClr val="accent1">
+              <a:shade val="50000"/>
+            </a:schemeClr>
+          </a:lnRef>
+          <a:fillRef idx="1">
+            <a:schemeClr val="accent1"/>
+          </a:fillRef>
+          <a:effectRef idx="0">
+            <a:schemeClr val="accent1"/>
+          </a:effectRef>
+          <a:fontRef idx="minor">
+            <a:schemeClr val="lt1"/>
+          </a:fontRef>
+        </p:style>
+        <p:txBody>
+          <a:bodyPr rtlCol="0" anchor="b"/>
+          <a:lstStyle/>
+          <a:p>
+            <a:pPr algn="ctr"/>
+            <a:endParaRPr lang="en-US" sz="3300" b="1" dirty="0">
+              <a:solidFill>
+                <a:schemeClr val="tx1"/>
+              </a:solidFill>
+            </a:endParaRPr>
+          </a:p>
+          <a:p>
+            <a:pPr algn="ctr"/>
+            <a:endParaRPr lang="en-US" sz="3300" b="1" dirty="0">
+              <a:solidFill>
+                <a:schemeClr val="tx1"/>
+              </a:solidFill>
+            </a:endParaRPr>
+          </a:p>
+          <a:p>
+            <a:pPr algn="ctr"/>
+            <a:endParaRPr lang="en-US" sz="3300" b="1" dirty="0">
+              <a:solidFill>
+                <a:schemeClr val="tx1"/>
+              </a:solidFill>
+            </a:endParaRPr>
+          </a:p>
+          <a:p>
+            <a:pPr algn="ctr"/>
+            <a:r>
+              <a:rPr lang="en-US" sz="2900" b="1" dirty="0">
+                <a:solidFill>
+                  <a:schemeClr val="tx1"/>
+                </a:solidFill>
+              </a:rPr>
+              <a:t>Avian Ecology</a:t>
+            </a:r>
+          </a:p>
+        </p:txBody>
+      </p:sp>
+      <p:pic>
+        <p:nvPicPr>
+          <p:cNvPr id="15" name="Picture 14">
+            <a:extLst>
+              <a:ext uri="{FF2B5EF4-FFF2-40B4-BE49-F238E27FC236}">
+                <a16:creationId xmlns:a16="http://schemas.microsoft.com/office/drawing/2014/main" id="{2FA2330C-A834-874C-B3FC-CFF9BEC1D8C2}"/>
+              </a:ext>
+            </a:extLst>
+          </p:cNvPr>
+          <p:cNvPicPr>
+            <a:picLocks noChangeAspect="1"/>
+          </p:cNvPicPr>
+          <p:nvPr/>
+        </p:nvPicPr>
+        <p:blipFill>
+          <a:blip r:embed="rId3"/>
+          <a:stretch>
+            <a:fillRect/>
+          </a:stretch>
+        </p:blipFill>
+        <p:spPr>
+          <a:xfrm>
+            <a:off x="389296" y="3545809"/>
+            <a:ext cx="4124570" cy="2949388"/>
+          </a:xfrm>
+          <a:prstGeom prst="rect">
+            <a:avLst/>
+          </a:prstGeom>
+        </p:spPr>
+      </p:pic>
+    </p:spTree>
+    <p:extLst>
+      <p:ext uri="{BB962C8B-B14F-4D97-AF65-F5344CB8AC3E}">
+        <p14:creationId xmlns:p14="http://schemas.microsoft.com/office/powerpoint/2010/main" val="3899399572"/>
+      </p:ext>
+    </p:extLst>
+  </p:cSld>
+  <p:clrMapOvr>
+    <a:masterClrMapping/>
+  </p:clrMapOvr>
+</p:sld>
+</file>
+
+<file path=ppt/slides/slide5.xml><?xml version="1.0" encoding="utf-8"?>
+<p:sld xmlns:a="http://schemas.openxmlformats.org/drawingml/2006/main" xmlns:r="http://schemas.openxmlformats.org/officeDocument/2006/relationships" xmlns:p="http://schemas.openxmlformats.org/presentationml/2006/main">
+  <p:cSld>
+    <p:spTree>
+      <p:nvGrpSpPr>
+        <p:cNvPr id="1" name=""/>
+        <p:cNvGrpSpPr/>
+        <p:nvPr/>
+      </p:nvGrpSpPr>
+      <p:grpSpPr>
+        <a:xfrm>
+          <a:off x="0" y="0"/>
+          <a:ext cx="0" cy="0"/>
+          <a:chOff x="0" y="0"/>
+          <a:chExt cx="0" cy="0"/>
+        </a:xfrm>
+      </p:grpSpPr>
+      <p:sp>
+        <p:nvSpPr>
+          <p:cNvPr id="8" name="Oval 7">
+            <a:extLst>
+              <a:ext uri="{FF2B5EF4-FFF2-40B4-BE49-F238E27FC236}">
+                <a16:creationId xmlns:a16="http://schemas.microsoft.com/office/drawing/2014/main" id="{A7AEC8CB-A865-0B44-96C3-06CAB6351B3B}"/>
+              </a:ext>
+            </a:extLst>
+          </p:cNvPr>
+          <p:cNvSpPr/>
+          <p:nvPr/>
+        </p:nvSpPr>
+        <p:spPr>
+          <a:xfrm>
+            <a:off x="4880290" y="4518188"/>
+            <a:ext cx="2434265" cy="2313633"/>
+          </a:xfrm>
+          <a:prstGeom prst="ellipse">
+            <a:avLst/>
+          </a:prstGeom>
+          <a:solidFill>
+            <a:schemeClr val="bg2">
+              <a:lumMod val="50000"/>
+              <a:alpha val="53000"/>
+            </a:schemeClr>
+          </a:solidFill>
+          <a:ln>
+            <a:noFill/>
+          </a:ln>
+        </p:spPr>
+        <p:style>
+          <a:lnRef idx="2">
+            <a:schemeClr val="accent1">
+              <a:shade val="50000"/>
+            </a:schemeClr>
+          </a:lnRef>
+          <a:fillRef idx="1">
+            <a:schemeClr val="accent1"/>
+          </a:fillRef>
+          <a:effectRef idx="0">
+            <a:schemeClr val="accent1"/>
+          </a:effectRef>
+          <a:fontRef idx="minor">
+            <a:schemeClr val="lt1"/>
+          </a:fontRef>
+        </p:style>
+        <p:txBody>
+          <a:bodyPr rtlCol="0" anchor="b"/>
+          <a:lstStyle/>
+          <a:p>
+            <a:pPr algn="ctr"/>
+            <a:endParaRPr lang="en-US" sz="3300" b="1" dirty="0">
+              <a:solidFill>
+                <a:schemeClr val="tx1"/>
+              </a:solidFill>
+            </a:endParaRPr>
+          </a:p>
+          <a:p>
+            <a:pPr algn="ctr"/>
+            <a:endParaRPr lang="en-US" sz="3300" b="1" dirty="0">
+              <a:solidFill>
+                <a:schemeClr val="tx1"/>
+              </a:solidFill>
+            </a:endParaRPr>
+          </a:p>
+          <a:p>
+            <a:pPr algn="ctr"/>
+            <a:endParaRPr lang="en-US" sz="3300" b="1" dirty="0">
+              <a:solidFill>
+                <a:schemeClr val="tx1"/>
+              </a:solidFill>
+            </a:endParaRPr>
+          </a:p>
+          <a:p>
+            <a:pPr algn="ctr"/>
+            <a:r>
+              <a:rPr lang="en-US" sz="2900" b="1" dirty="0">
+                <a:solidFill>
+                  <a:schemeClr val="tx1"/>
+                </a:solidFill>
+              </a:rPr>
+              <a:t>Avian Ecology</a:t>
+            </a:r>
+          </a:p>
+        </p:txBody>
+      </p:sp>
+      <p:sp>
+        <p:nvSpPr>
+          <p:cNvPr id="11" name="Oval 10">
+            <a:extLst>
+              <a:ext uri="{FF2B5EF4-FFF2-40B4-BE49-F238E27FC236}">
+                <a16:creationId xmlns:a16="http://schemas.microsoft.com/office/drawing/2014/main" id="{AA550848-5B0D-3F4B-90CD-71EAF15EF6B9}"/>
+              </a:ext>
+            </a:extLst>
+          </p:cNvPr>
+          <p:cNvSpPr/>
+          <p:nvPr/>
+        </p:nvSpPr>
+        <p:spPr>
+          <a:xfrm>
+            <a:off x="5965911" y="3690257"/>
+            <a:ext cx="3249527" cy="2160384"/>
+          </a:xfrm>
+          <a:prstGeom prst="ellipse">
+            <a:avLst/>
+          </a:prstGeom>
+          <a:solidFill>
+            <a:schemeClr val="accent6">
+              <a:lumMod val="50000"/>
+              <a:alpha val="53000"/>
+            </a:schemeClr>
+          </a:solidFill>
+          <a:ln>
+            <a:noFill/>
+          </a:ln>
+        </p:spPr>
+        <p:style>
+          <a:lnRef idx="2">
+            <a:schemeClr val="accent1">
+              <a:shade val="50000"/>
+            </a:schemeClr>
+          </a:lnRef>
+          <a:fillRef idx="1">
+            <a:schemeClr val="accent1"/>
+          </a:fillRef>
+          <a:effectRef idx="0">
+            <a:schemeClr val="accent1"/>
+          </a:effectRef>
+          <a:fontRef idx="minor">
+            <a:schemeClr val="lt1"/>
+          </a:fontRef>
+        </p:style>
+        <p:txBody>
+          <a:bodyPr rtlCol="0" anchor="ctr"/>
+          <a:lstStyle/>
+          <a:p>
+            <a:pPr algn="r"/>
+            <a:r>
+              <a:rPr lang="en-US" sz="2900" b="1" dirty="0">
+                <a:solidFill>
+                  <a:schemeClr val="tx1"/>
+                </a:solidFill>
+              </a:rPr>
+              <a:t>Invasion Ecology</a:t>
+            </a:r>
+          </a:p>
+        </p:txBody>
+      </p:sp>
+      <p:pic>
+        <p:nvPicPr>
+          <p:cNvPr id="12" name="Picture 11">
+            <a:extLst>
+              <a:ext uri="{FF2B5EF4-FFF2-40B4-BE49-F238E27FC236}">
+                <a16:creationId xmlns:a16="http://schemas.microsoft.com/office/drawing/2014/main" id="{68BE114F-7A34-CF46-BD98-6034DC8E6D93}"/>
+              </a:ext>
+            </a:extLst>
+          </p:cNvPr>
+          <p:cNvPicPr>
+            <a:picLocks noChangeAspect="1"/>
+          </p:cNvPicPr>
+          <p:nvPr/>
+        </p:nvPicPr>
+        <p:blipFill>
+          <a:blip r:embed="rId2"/>
+          <a:stretch>
+            <a:fillRect/>
+          </a:stretch>
+        </p:blipFill>
+        <p:spPr>
+          <a:xfrm>
+            <a:off x="111978" y="800432"/>
+            <a:ext cx="5921335" cy="1977899"/>
+          </a:xfrm>
+          <a:prstGeom prst="rect">
+            <a:avLst/>
+          </a:prstGeom>
+        </p:spPr>
+      </p:pic>
+      <p:pic>
+        <p:nvPicPr>
+          <p:cNvPr id="13" name="Picture 12">
+            <a:extLst>
+              <a:ext uri="{FF2B5EF4-FFF2-40B4-BE49-F238E27FC236}">
+                <a16:creationId xmlns:a16="http://schemas.microsoft.com/office/drawing/2014/main" id="{98BA4304-1B72-6049-80A2-DC58D1AABC3F}"/>
+              </a:ext>
+            </a:extLst>
+          </p:cNvPr>
+          <p:cNvPicPr>
+            <a:picLocks noChangeAspect="1"/>
+          </p:cNvPicPr>
+          <p:nvPr/>
+        </p:nvPicPr>
+        <p:blipFill>
+          <a:blip r:embed="rId3"/>
+          <a:stretch>
+            <a:fillRect/>
+          </a:stretch>
+        </p:blipFill>
+        <p:spPr>
+          <a:xfrm>
+            <a:off x="389296" y="3545809"/>
+            <a:ext cx="4124570" cy="2949388"/>
+          </a:xfrm>
+          <a:prstGeom prst="rect">
+            <a:avLst/>
+          </a:prstGeom>
+        </p:spPr>
+      </p:pic>
+    </p:spTree>
+    <p:extLst>
+      <p:ext uri="{BB962C8B-B14F-4D97-AF65-F5344CB8AC3E}">
+        <p14:creationId xmlns:p14="http://schemas.microsoft.com/office/powerpoint/2010/main" val="3611104904"/>
+      </p:ext>
+    </p:extLst>
+  </p:cSld>
+  <p:clrMapOvr>
+    <a:masterClrMapping/>
+  </p:clrMapOvr>
+</p:sld>
+</file>
+
+<file path=ppt/slides/slide6.xml><?xml version="1.0" encoding="utf-8"?>
+<p:sld xmlns:a="http://schemas.openxmlformats.org/drawingml/2006/main" xmlns:r="http://schemas.openxmlformats.org/officeDocument/2006/relationships" xmlns:p="http://schemas.openxmlformats.org/presentationml/2006/main">
+  <p:cSld>
+    <p:spTree>
+      <p:nvGrpSpPr>
+        <p:cNvPr id="1" name=""/>
+        <p:cNvGrpSpPr/>
+        <p:nvPr/>
+      </p:nvGrpSpPr>
+      <p:grpSpPr>
+        <a:xfrm>
+          <a:off x="0" y="0"/>
+          <a:ext cx="0" cy="0"/>
+          <a:chOff x="0" y="0"/>
+          <a:chExt cx="0" cy="0"/>
+        </a:xfrm>
+      </p:grpSpPr>
+      <p:pic>
+        <p:nvPicPr>
+          <p:cNvPr id="26" name="Picture 25">
+            <a:extLst>
+              <a:ext uri="{FF2B5EF4-FFF2-40B4-BE49-F238E27FC236}">
+                <a16:creationId xmlns:a16="http://schemas.microsoft.com/office/drawing/2014/main" id="{92BBD320-CF14-9541-BFC1-588642C0F6BC}"/>
+              </a:ext>
+            </a:extLst>
+          </p:cNvPr>
+          <p:cNvPicPr>
+            <a:picLocks noChangeAspect="1"/>
+          </p:cNvPicPr>
+          <p:nvPr/>
+        </p:nvPicPr>
+        <p:blipFill>
+          <a:blip r:embed="rId2"/>
+          <a:stretch>
+            <a:fillRect/>
+          </a:stretch>
+        </p:blipFill>
+        <p:spPr>
+          <a:xfrm>
+            <a:off x="9215438" y="3545809"/>
+            <a:ext cx="2882208" cy="1852848"/>
+          </a:xfrm>
+          <a:prstGeom prst="rect">
+            <a:avLst/>
+          </a:prstGeom>
+        </p:spPr>
+      </p:pic>
+      <p:sp>
+        <p:nvSpPr>
+          <p:cNvPr id="8" name="Oval 7">
+            <a:extLst>
+              <a:ext uri="{FF2B5EF4-FFF2-40B4-BE49-F238E27FC236}">
+                <a16:creationId xmlns:a16="http://schemas.microsoft.com/office/drawing/2014/main" id="{A7AEC8CB-A865-0B44-96C3-06CAB6351B3B}"/>
+              </a:ext>
+            </a:extLst>
+          </p:cNvPr>
+          <p:cNvSpPr/>
+          <p:nvPr/>
+        </p:nvSpPr>
+        <p:spPr>
+          <a:xfrm>
+            <a:off x="4880290" y="4518188"/>
+            <a:ext cx="2434265" cy="2313633"/>
+          </a:xfrm>
+          <a:prstGeom prst="ellipse">
+            <a:avLst/>
+          </a:prstGeom>
+          <a:solidFill>
+            <a:schemeClr val="bg2">
+              <a:lumMod val="50000"/>
+              <a:alpha val="53000"/>
+            </a:schemeClr>
+          </a:solidFill>
+          <a:ln>
+            <a:noFill/>
+          </a:ln>
+        </p:spPr>
+        <p:style>
+          <a:lnRef idx="2">
+            <a:schemeClr val="accent1">
+              <a:shade val="50000"/>
+            </a:schemeClr>
+          </a:lnRef>
+          <a:fillRef idx="1">
+            <a:schemeClr val="accent1"/>
+          </a:fillRef>
+          <a:effectRef idx="0">
+            <a:schemeClr val="accent1"/>
+          </a:effectRef>
+          <a:fontRef idx="minor">
+            <a:schemeClr val="lt1"/>
+          </a:fontRef>
+        </p:style>
+        <p:txBody>
+          <a:bodyPr rtlCol="0" anchor="b"/>
+          <a:lstStyle/>
+          <a:p>
+            <a:pPr algn="ctr"/>
+            <a:endParaRPr lang="en-US" sz="3300" b="1" dirty="0">
+              <a:solidFill>
+                <a:schemeClr val="tx1"/>
+              </a:solidFill>
+            </a:endParaRPr>
+          </a:p>
+          <a:p>
+            <a:pPr algn="ctr"/>
+            <a:endParaRPr lang="en-US" sz="3300" b="1" dirty="0">
+              <a:solidFill>
+                <a:schemeClr val="tx1"/>
+              </a:solidFill>
+            </a:endParaRPr>
+          </a:p>
+          <a:p>
+            <a:pPr algn="ctr"/>
+            <a:endParaRPr lang="en-US" sz="3300" b="1" dirty="0">
+              <a:solidFill>
+                <a:schemeClr val="tx1"/>
+              </a:solidFill>
+            </a:endParaRPr>
+          </a:p>
+          <a:p>
+            <a:pPr algn="ctr"/>
+            <a:r>
+              <a:rPr lang="en-US" sz="2900" b="1" dirty="0">
+                <a:solidFill>
+                  <a:schemeClr val="tx1"/>
+                </a:solidFill>
+              </a:rPr>
+              <a:t>Avian Ecology</a:t>
+            </a:r>
+          </a:p>
+        </p:txBody>
+      </p:sp>
+      <p:sp>
+        <p:nvSpPr>
+          <p:cNvPr id="11" name="Oval 10">
+            <a:extLst>
+              <a:ext uri="{FF2B5EF4-FFF2-40B4-BE49-F238E27FC236}">
+                <a16:creationId xmlns:a16="http://schemas.microsoft.com/office/drawing/2014/main" id="{AA550848-5B0D-3F4B-90CD-71EAF15EF6B9}"/>
+              </a:ext>
+            </a:extLst>
+          </p:cNvPr>
+          <p:cNvSpPr/>
+          <p:nvPr/>
+        </p:nvSpPr>
+        <p:spPr>
+          <a:xfrm>
+            <a:off x="5965911" y="3690257"/>
+            <a:ext cx="3249527" cy="2160384"/>
+          </a:xfrm>
+          <a:prstGeom prst="ellipse">
+            <a:avLst/>
+          </a:prstGeom>
+          <a:solidFill>
+            <a:schemeClr val="accent6">
+              <a:lumMod val="50000"/>
+              <a:alpha val="53000"/>
+            </a:schemeClr>
+          </a:solidFill>
+          <a:ln>
+            <a:noFill/>
+          </a:ln>
+        </p:spPr>
+        <p:style>
+          <a:lnRef idx="2">
+            <a:schemeClr val="accent1">
+              <a:shade val="50000"/>
+            </a:schemeClr>
+          </a:lnRef>
+          <a:fillRef idx="1">
+            <a:schemeClr val="accent1"/>
+          </a:fillRef>
+          <a:effectRef idx="0">
+            <a:schemeClr val="accent1"/>
+          </a:effectRef>
+          <a:fontRef idx="minor">
+            <a:schemeClr val="lt1"/>
+          </a:fontRef>
+        </p:style>
+        <p:txBody>
+          <a:bodyPr rtlCol="0" anchor="ctr"/>
+          <a:lstStyle/>
+          <a:p>
+            <a:pPr algn="r"/>
+            <a:r>
+              <a:rPr lang="en-US" sz="2900" b="1" dirty="0">
+                <a:solidFill>
+                  <a:schemeClr val="tx1"/>
+                </a:solidFill>
+              </a:rPr>
+              <a:t>Invasion Ecology</a:t>
+            </a:r>
+          </a:p>
+        </p:txBody>
+      </p:sp>
+      <p:pic>
+        <p:nvPicPr>
+          <p:cNvPr id="12" name="Picture 11">
+            <a:extLst>
+              <a:ext uri="{FF2B5EF4-FFF2-40B4-BE49-F238E27FC236}">
+                <a16:creationId xmlns:a16="http://schemas.microsoft.com/office/drawing/2014/main" id="{68BE114F-7A34-CF46-BD98-6034DC8E6D93}"/>
+              </a:ext>
+            </a:extLst>
+          </p:cNvPr>
+          <p:cNvPicPr>
+            <a:picLocks noChangeAspect="1"/>
+          </p:cNvPicPr>
+          <p:nvPr/>
+        </p:nvPicPr>
+        <p:blipFill>
+          <a:blip r:embed="rId3"/>
+          <a:stretch>
+            <a:fillRect/>
+          </a:stretch>
+        </p:blipFill>
+        <p:spPr>
+          <a:xfrm>
+            <a:off x="111978" y="800432"/>
+            <a:ext cx="5921335" cy="1977899"/>
+          </a:xfrm>
+          <a:prstGeom prst="rect">
+            <a:avLst/>
+          </a:prstGeom>
+        </p:spPr>
+      </p:pic>
+      <p:pic>
+        <p:nvPicPr>
+          <p:cNvPr id="13" name="Picture 12">
+            <a:extLst>
+              <a:ext uri="{FF2B5EF4-FFF2-40B4-BE49-F238E27FC236}">
+                <a16:creationId xmlns:a16="http://schemas.microsoft.com/office/drawing/2014/main" id="{98BA4304-1B72-6049-80A2-DC58D1AABC3F}"/>
+              </a:ext>
+            </a:extLst>
+          </p:cNvPr>
+          <p:cNvPicPr>
+            <a:picLocks noChangeAspect="1"/>
+          </p:cNvPicPr>
+          <p:nvPr/>
+        </p:nvPicPr>
+        <p:blipFill>
+          <a:blip r:embed="rId4"/>
+          <a:stretch>
+            <a:fillRect/>
+          </a:stretch>
+        </p:blipFill>
+        <p:spPr>
+          <a:xfrm>
+            <a:off x="389296" y="3545809"/>
+            <a:ext cx="4124570" cy="2949388"/>
+          </a:xfrm>
+          <a:prstGeom prst="rect">
+            <a:avLst/>
+          </a:prstGeom>
+        </p:spPr>
+      </p:pic>
+      <p:pic>
+        <p:nvPicPr>
+          <p:cNvPr id="14" name="Picture 13">
+            <a:extLst>
+              <a:ext uri="{FF2B5EF4-FFF2-40B4-BE49-F238E27FC236}">
+                <a16:creationId xmlns:a16="http://schemas.microsoft.com/office/drawing/2014/main" id="{0FC0F343-853C-A447-A297-14A6AE888F8D}"/>
+              </a:ext>
+            </a:extLst>
+          </p:cNvPr>
+          <p:cNvPicPr>
+            <a:picLocks noChangeAspect="1"/>
+          </p:cNvPicPr>
+          <p:nvPr/>
+        </p:nvPicPr>
+        <p:blipFill>
+          <a:blip r:embed="rId5"/>
+          <a:stretch>
+            <a:fillRect/>
+          </a:stretch>
+        </p:blipFill>
+        <p:spPr>
+          <a:xfrm>
+            <a:off x="6691612" y="213753"/>
+            <a:ext cx="5500388" cy="1320093"/>
+          </a:xfrm>
+          <a:prstGeom prst="rect">
+            <a:avLst/>
+          </a:prstGeom>
+        </p:spPr>
+      </p:pic>
+      <p:pic>
+        <p:nvPicPr>
+          <p:cNvPr id="22" name="Picture 21">
+            <a:extLst>
+              <a:ext uri="{FF2B5EF4-FFF2-40B4-BE49-F238E27FC236}">
+                <a16:creationId xmlns:a16="http://schemas.microsoft.com/office/drawing/2014/main" id="{2A5192BB-A5B6-E247-B41B-23B926C6351E}"/>
+              </a:ext>
+            </a:extLst>
+          </p:cNvPr>
+          <p:cNvPicPr>
+            <a:picLocks noChangeAspect="1"/>
+          </p:cNvPicPr>
+          <p:nvPr/>
+        </p:nvPicPr>
+        <p:blipFill>
+          <a:blip r:embed="rId6"/>
+          <a:stretch>
+            <a:fillRect/>
+          </a:stretch>
+        </p:blipFill>
+        <p:spPr>
+          <a:xfrm>
+            <a:off x="7000791" y="1993421"/>
+            <a:ext cx="4882029" cy="1593331"/>
+          </a:xfrm>
+          <a:prstGeom prst="rect">
+            <a:avLst/>
+          </a:prstGeom>
+        </p:spPr>
+      </p:pic>
+      <p:pic>
+        <p:nvPicPr>
+          <p:cNvPr id="20" name="Picture 19">
+            <a:extLst>
+              <a:ext uri="{FF2B5EF4-FFF2-40B4-BE49-F238E27FC236}">
+                <a16:creationId xmlns:a16="http://schemas.microsoft.com/office/drawing/2014/main" id="{6BD3E7CF-3ADD-9846-8A90-9E8538C95E4B}"/>
+              </a:ext>
+            </a:extLst>
+          </p:cNvPr>
+          <p:cNvPicPr>
+            <a:picLocks noChangeAspect="1"/>
+          </p:cNvPicPr>
+          <p:nvPr/>
+        </p:nvPicPr>
+        <p:blipFill>
+          <a:blip r:embed="rId7"/>
+          <a:stretch>
+            <a:fillRect/>
+          </a:stretch>
+        </p:blipFill>
+        <p:spPr>
+          <a:xfrm>
+            <a:off x="5556758" y="213753"/>
+            <a:ext cx="1349679" cy="1652411"/>
+          </a:xfrm>
+          <a:prstGeom prst="rect">
+            <a:avLst/>
+          </a:prstGeom>
+        </p:spPr>
+      </p:pic>
+    </p:spTree>
+    <p:extLst>
+      <p:ext uri="{BB962C8B-B14F-4D97-AF65-F5344CB8AC3E}">
+        <p14:creationId xmlns:p14="http://schemas.microsoft.com/office/powerpoint/2010/main" val="3379088757"/>
+      </p:ext>
+    </p:extLst>
+  </p:cSld>
+  <p:clrMapOvr>
+    <a:masterClrMapping/>
+  </p:clrMapOvr>
+</p:sld>
+</file>
+
+<file path=ppt/slides/slide7.xml><?xml version="1.0" encoding="utf-8"?>
+<p:sld xmlns:a="http://schemas.openxmlformats.org/drawingml/2006/main" xmlns:r="http://schemas.openxmlformats.org/officeDocument/2006/relationships" xmlns:p="http://schemas.openxmlformats.org/presentationml/2006/main">
+  <p:cSld>
+    <p:spTree>
+      <p:nvGrpSpPr>
+        <p:cNvPr id="1" name=""/>
+        <p:cNvGrpSpPr/>
+        <p:nvPr/>
+      </p:nvGrpSpPr>
+      <p:grpSpPr>
+        <a:xfrm>
+          <a:off x="0" y="0"/>
+          <a:ext cx="0" cy="0"/>
+          <a:chOff x="0" y="0"/>
+          <a:chExt cx="0" cy="0"/>
+        </a:xfrm>
+      </p:grpSpPr>
+      <p:sp>
+        <p:nvSpPr>
+          <p:cNvPr id="8" name="Oval 7">
+            <a:extLst>
+              <a:ext uri="{FF2B5EF4-FFF2-40B4-BE49-F238E27FC236}">
+                <a16:creationId xmlns:a16="http://schemas.microsoft.com/office/drawing/2014/main" id="{A7AEC8CB-A865-0B44-96C3-06CAB6351B3B}"/>
+              </a:ext>
+            </a:extLst>
+          </p:cNvPr>
+          <p:cNvSpPr/>
+          <p:nvPr/>
+        </p:nvSpPr>
+        <p:spPr>
+          <a:xfrm>
+            <a:off x="4880290" y="4518188"/>
+            <a:ext cx="2434265" cy="2313633"/>
+          </a:xfrm>
+          <a:prstGeom prst="ellipse">
+            <a:avLst/>
+          </a:prstGeom>
+          <a:solidFill>
+            <a:schemeClr val="bg2">
+              <a:lumMod val="50000"/>
+              <a:alpha val="53000"/>
+            </a:schemeClr>
+          </a:solidFill>
+          <a:ln>
+            <a:noFill/>
+          </a:ln>
+        </p:spPr>
+        <p:style>
+          <a:lnRef idx="2">
+            <a:schemeClr val="accent1">
+              <a:shade val="50000"/>
+            </a:schemeClr>
+          </a:lnRef>
+          <a:fillRef idx="1">
+            <a:schemeClr val="accent1"/>
+          </a:fillRef>
+          <a:effectRef idx="0">
+            <a:schemeClr val="accent1"/>
+          </a:effectRef>
+          <a:fontRef idx="minor">
+            <a:schemeClr val="lt1"/>
+          </a:fontRef>
+        </p:style>
+        <p:txBody>
+          <a:bodyPr rtlCol="0" anchor="b"/>
+          <a:lstStyle/>
+          <a:p>
+            <a:pPr algn="ctr"/>
+            <a:endParaRPr lang="en-US" sz="3300" b="1" dirty="0">
+              <a:solidFill>
+                <a:schemeClr val="tx1"/>
+              </a:solidFill>
+            </a:endParaRPr>
+          </a:p>
+          <a:p>
+            <a:pPr algn="ctr"/>
+            <a:endParaRPr lang="en-US" sz="3300" b="1" dirty="0">
+              <a:solidFill>
+                <a:schemeClr val="tx1"/>
+              </a:solidFill>
+            </a:endParaRPr>
+          </a:p>
+          <a:p>
+            <a:pPr algn="ctr"/>
+            <a:endParaRPr lang="en-US" sz="3300" b="1" dirty="0">
+              <a:solidFill>
+                <a:schemeClr val="tx1"/>
+              </a:solidFill>
+            </a:endParaRPr>
+          </a:p>
+          <a:p>
+            <a:pPr algn="ctr"/>
+            <a:r>
+              <a:rPr lang="en-US" sz="2900" b="1" dirty="0">
+                <a:solidFill>
+                  <a:schemeClr val="tx1"/>
+                </a:solidFill>
+              </a:rPr>
+              <a:t>Avian Ecology</a:t>
+            </a:r>
+          </a:p>
+        </p:txBody>
+      </p:sp>
+      <p:sp>
+        <p:nvSpPr>
+          <p:cNvPr id="10" name="Oval 9">
+            <a:extLst>
+              <a:ext uri="{FF2B5EF4-FFF2-40B4-BE49-F238E27FC236}">
+                <a16:creationId xmlns:a16="http://schemas.microsoft.com/office/drawing/2014/main" id="{2A6D1D23-A865-6D49-9E10-68E8ED754FF7}"/>
+              </a:ext>
+            </a:extLst>
+          </p:cNvPr>
+          <p:cNvSpPr/>
+          <p:nvPr/>
+        </p:nvSpPr>
+        <p:spPr>
+          <a:xfrm>
+            <a:off x="2828925" y="3748387"/>
+            <a:ext cx="3147562" cy="2160385"/>
+          </a:xfrm>
+          <a:prstGeom prst="ellipse">
+            <a:avLst/>
+          </a:prstGeom>
+          <a:solidFill>
+            <a:schemeClr val="accent1">
+              <a:alpha val="53000"/>
+            </a:schemeClr>
+          </a:solidFill>
+          <a:ln>
+            <a:noFill/>
+          </a:ln>
+        </p:spPr>
+        <p:style>
+          <a:lnRef idx="2">
+            <a:schemeClr val="accent1">
+              <a:shade val="50000"/>
+            </a:schemeClr>
+          </a:lnRef>
+          <a:fillRef idx="1">
+            <a:schemeClr val="accent1"/>
+          </a:fillRef>
+          <a:effectRef idx="0">
+            <a:schemeClr val="accent1"/>
+          </a:effectRef>
+          <a:fontRef idx="minor">
+            <a:schemeClr val="lt1"/>
+          </a:fontRef>
+        </p:style>
+        <p:txBody>
+          <a:bodyPr rtlCol="0" anchor="ctr"/>
+          <a:lstStyle/>
+          <a:p>
+            <a:r>
+              <a:rPr lang="en-US" sz="2900" b="1" dirty="0">
+                <a:solidFill>
+                  <a:schemeClr val="tx1"/>
+                </a:solidFill>
+              </a:rPr>
+              <a:t>Ecological Modelling</a:t>
+            </a:r>
+          </a:p>
+        </p:txBody>
+      </p:sp>
+      <p:sp>
+        <p:nvSpPr>
+          <p:cNvPr id="11" name="Oval 10">
+            <a:extLst>
+              <a:ext uri="{FF2B5EF4-FFF2-40B4-BE49-F238E27FC236}">
+                <a16:creationId xmlns:a16="http://schemas.microsoft.com/office/drawing/2014/main" id="{65587B78-662C-D048-84EE-D15C8930E0A6}"/>
+              </a:ext>
+            </a:extLst>
+          </p:cNvPr>
+          <p:cNvSpPr/>
+          <p:nvPr/>
+        </p:nvSpPr>
+        <p:spPr>
+          <a:xfrm>
+            <a:off x="5965911" y="3690257"/>
+            <a:ext cx="3249527" cy="2160384"/>
+          </a:xfrm>
+          <a:prstGeom prst="ellipse">
+            <a:avLst/>
+          </a:prstGeom>
+          <a:solidFill>
+            <a:schemeClr val="accent6">
+              <a:lumMod val="50000"/>
+              <a:alpha val="53000"/>
+            </a:schemeClr>
+          </a:solidFill>
+          <a:ln>
+            <a:noFill/>
+          </a:ln>
+        </p:spPr>
+        <p:style>
+          <a:lnRef idx="2">
+            <a:schemeClr val="accent1">
+              <a:shade val="50000"/>
+            </a:schemeClr>
+          </a:lnRef>
+          <a:fillRef idx="1">
+            <a:schemeClr val="accent1"/>
+          </a:fillRef>
+          <a:effectRef idx="0">
+            <a:schemeClr val="accent1"/>
+          </a:effectRef>
+          <a:fontRef idx="minor">
+            <a:schemeClr val="lt1"/>
+          </a:fontRef>
+        </p:style>
+        <p:txBody>
+          <a:bodyPr rtlCol="0" anchor="ctr"/>
+          <a:lstStyle/>
+          <a:p>
+            <a:pPr algn="r"/>
+            <a:r>
+              <a:rPr lang="en-US" sz="2900" b="1" dirty="0">
+                <a:solidFill>
+                  <a:schemeClr val="tx1"/>
+                </a:solidFill>
+              </a:rPr>
+              <a:t>Invasion Ecology</a:t>
+            </a:r>
+          </a:p>
+        </p:txBody>
+      </p:sp>
+    </p:spTree>
+    <p:extLst>
+      <p:ext uri="{BB962C8B-B14F-4D97-AF65-F5344CB8AC3E}">
+        <p14:creationId xmlns:p14="http://schemas.microsoft.com/office/powerpoint/2010/main" val="704745343"/>
+      </p:ext>
+    </p:extLst>
+  </p:cSld>
+  <p:clrMapOvr>
+    <a:masterClrMapping/>
+  </p:clrMapOvr>
+</p:sld>
+</file>
+
+<file path=ppt/slides/slide8.xml><?xml version="1.0" encoding="utf-8"?>
+<p:sld xmlns:a="http://schemas.openxmlformats.org/drawingml/2006/main" xmlns:r="http://schemas.openxmlformats.org/officeDocument/2006/relationships" xmlns:p="http://schemas.openxmlformats.org/presentationml/2006/main">
+  <p:cSld>
+    <p:spTree>
+      <p:nvGrpSpPr>
+        <p:cNvPr id="1" name=""/>
+        <p:cNvGrpSpPr/>
+        <p:nvPr/>
+      </p:nvGrpSpPr>
+      <p:grpSpPr>
+        <a:xfrm>
+          <a:off x="0" y="0"/>
+          <a:ext cx="0" cy="0"/>
+          <a:chOff x="0" y="0"/>
+          <a:chExt cx="0" cy="0"/>
+        </a:xfrm>
+      </p:grpSpPr>
+      <p:sp>
+        <p:nvSpPr>
+          <p:cNvPr id="8" name="Oval 7">
+            <a:extLst>
+              <a:ext uri="{FF2B5EF4-FFF2-40B4-BE49-F238E27FC236}">
+                <a16:creationId xmlns:a16="http://schemas.microsoft.com/office/drawing/2014/main" id="{A7AEC8CB-A865-0B44-96C3-06CAB6351B3B}"/>
+              </a:ext>
+            </a:extLst>
+          </p:cNvPr>
+          <p:cNvSpPr/>
+          <p:nvPr/>
+        </p:nvSpPr>
+        <p:spPr>
+          <a:xfrm>
+            <a:off x="4880290" y="4518188"/>
+            <a:ext cx="2434265" cy="2313633"/>
+          </a:xfrm>
+          <a:prstGeom prst="ellipse">
+            <a:avLst/>
+          </a:prstGeom>
+          <a:solidFill>
+            <a:schemeClr val="bg2">
+              <a:lumMod val="50000"/>
+              <a:alpha val="53000"/>
+            </a:schemeClr>
+          </a:solidFill>
+          <a:ln>
+            <a:noFill/>
+          </a:ln>
+        </p:spPr>
+        <p:style>
+          <a:lnRef idx="2">
+            <a:schemeClr val="accent1">
+              <a:shade val="50000"/>
+            </a:schemeClr>
+          </a:lnRef>
+          <a:fillRef idx="1">
+            <a:schemeClr val="accent1"/>
+          </a:fillRef>
+          <a:effectRef idx="0">
+            <a:schemeClr val="accent1"/>
+          </a:effectRef>
+          <a:fontRef idx="minor">
+            <a:schemeClr val="lt1"/>
+          </a:fontRef>
+        </p:style>
+        <p:txBody>
+          <a:bodyPr rtlCol="0" anchor="b"/>
+          <a:lstStyle/>
+          <a:p>
+            <a:pPr algn="ctr"/>
+            <a:endParaRPr lang="en-US" sz="3300" b="1" dirty="0">
+              <a:solidFill>
+                <a:schemeClr val="tx1"/>
+              </a:solidFill>
+            </a:endParaRPr>
+          </a:p>
+          <a:p>
+            <a:pPr algn="ctr"/>
+            <a:endParaRPr lang="en-US" sz="3300" b="1" dirty="0">
+              <a:solidFill>
+                <a:schemeClr val="tx1"/>
+              </a:solidFill>
+            </a:endParaRPr>
+          </a:p>
+          <a:p>
+            <a:pPr algn="ctr"/>
+            <a:endParaRPr lang="en-US" sz="3300" b="1" dirty="0">
+              <a:solidFill>
+                <a:schemeClr val="tx1"/>
+              </a:solidFill>
+            </a:endParaRPr>
+          </a:p>
+          <a:p>
+            <a:pPr algn="ctr"/>
+            <a:r>
+              <a:rPr lang="en-US" sz="2900" b="1" dirty="0">
+                <a:solidFill>
+                  <a:schemeClr val="tx1"/>
+                </a:solidFill>
+              </a:rPr>
+              <a:t>Avian Ecology</a:t>
+            </a:r>
+          </a:p>
+        </p:txBody>
+      </p:sp>
+      <p:sp>
+        <p:nvSpPr>
+          <p:cNvPr id="10" name="Oval 9">
+            <a:extLst>
+              <a:ext uri="{FF2B5EF4-FFF2-40B4-BE49-F238E27FC236}">
+                <a16:creationId xmlns:a16="http://schemas.microsoft.com/office/drawing/2014/main" id="{2A6D1D23-A865-6D49-9E10-68E8ED754FF7}"/>
+              </a:ext>
+            </a:extLst>
+          </p:cNvPr>
+          <p:cNvSpPr/>
+          <p:nvPr/>
+        </p:nvSpPr>
+        <p:spPr>
+          <a:xfrm>
+            <a:off x="2828925" y="3748387"/>
+            <a:ext cx="3147562" cy="2160385"/>
+          </a:xfrm>
+          <a:prstGeom prst="ellipse">
+            <a:avLst/>
+          </a:prstGeom>
+          <a:solidFill>
+            <a:schemeClr val="accent1">
+              <a:alpha val="53000"/>
+            </a:schemeClr>
+          </a:solidFill>
+          <a:ln>
+            <a:noFill/>
+          </a:ln>
+        </p:spPr>
+        <p:style>
+          <a:lnRef idx="2">
+            <a:schemeClr val="accent1">
+              <a:shade val="50000"/>
+            </a:schemeClr>
+          </a:lnRef>
+          <a:fillRef idx="1">
+            <a:schemeClr val="accent1"/>
+          </a:fillRef>
+          <a:effectRef idx="0">
+            <a:schemeClr val="accent1"/>
+          </a:effectRef>
+          <a:fontRef idx="minor">
+            <a:schemeClr val="lt1"/>
+          </a:fontRef>
+        </p:style>
+        <p:txBody>
+          <a:bodyPr rtlCol="0" anchor="ctr"/>
+          <a:lstStyle/>
+          <a:p>
+            <a:r>
+              <a:rPr lang="en-US" sz="2900" b="1" dirty="0">
+                <a:solidFill>
+                  <a:schemeClr val="tx1"/>
+                </a:solidFill>
+              </a:rPr>
+              <a:t>Ecological Modelling</a:t>
+            </a:r>
+          </a:p>
+        </p:txBody>
+      </p:sp>
+      <p:sp>
+        <p:nvSpPr>
+          <p:cNvPr id="11" name="Oval 10">
+            <a:extLst>
+              <a:ext uri="{FF2B5EF4-FFF2-40B4-BE49-F238E27FC236}">
+                <a16:creationId xmlns:a16="http://schemas.microsoft.com/office/drawing/2014/main" id="{65587B78-662C-D048-84EE-D15C8930E0A6}"/>
+              </a:ext>
+            </a:extLst>
+          </p:cNvPr>
+          <p:cNvSpPr/>
+          <p:nvPr/>
+        </p:nvSpPr>
+        <p:spPr>
+          <a:xfrm>
+            <a:off x="5965911" y="3690257"/>
+            <a:ext cx="3249527" cy="2160384"/>
+          </a:xfrm>
+          <a:prstGeom prst="ellipse">
+            <a:avLst/>
+          </a:prstGeom>
+          <a:solidFill>
+            <a:schemeClr val="accent6">
+              <a:lumMod val="50000"/>
+              <a:alpha val="53000"/>
+            </a:schemeClr>
+          </a:solidFill>
+          <a:ln>
+            <a:noFill/>
+          </a:ln>
+        </p:spPr>
+        <p:style>
+          <a:lnRef idx="2">
+            <a:schemeClr val="accent1">
+              <a:shade val="50000"/>
+            </a:schemeClr>
+          </a:lnRef>
+          <a:fillRef idx="1">
+            <a:schemeClr val="accent1"/>
+          </a:fillRef>
+          <a:effectRef idx="0">
+            <a:schemeClr val="accent1"/>
+          </a:effectRef>
+          <a:fontRef idx="minor">
+            <a:schemeClr val="lt1"/>
+          </a:fontRef>
+        </p:style>
+        <p:txBody>
+          <a:bodyPr rtlCol="0" anchor="ctr"/>
+          <a:lstStyle/>
+          <a:p>
+            <a:pPr algn="r"/>
+            <a:r>
+              <a:rPr lang="en-US" sz="2900" b="1" dirty="0">
+                <a:solidFill>
+                  <a:schemeClr val="tx1"/>
+                </a:solidFill>
+              </a:rPr>
+              <a:t>Invasion Ecology</a:t>
+            </a:r>
+          </a:p>
+        </p:txBody>
+      </p:sp>
+      <p:pic>
+        <p:nvPicPr>
+          <p:cNvPr id="12" name="Picture 11">
+            <a:extLst>
+              <a:ext uri="{FF2B5EF4-FFF2-40B4-BE49-F238E27FC236}">
+                <a16:creationId xmlns:a16="http://schemas.microsoft.com/office/drawing/2014/main" id="{4C3CF903-43A9-F540-AEBA-36A9210CFA54}"/>
+              </a:ext>
+            </a:extLst>
+          </p:cNvPr>
+          <p:cNvPicPr>
+            <a:picLocks noChangeAspect="1"/>
+          </p:cNvPicPr>
+          <p:nvPr/>
+        </p:nvPicPr>
+        <p:blipFill>
+          <a:blip r:embed="rId2"/>
+          <a:stretch>
+            <a:fillRect/>
+          </a:stretch>
+        </p:blipFill>
+        <p:spPr>
+          <a:xfrm>
+            <a:off x="161925" y="145488"/>
+            <a:ext cx="5012349" cy="3544769"/>
+          </a:xfrm>
+          <a:prstGeom prst="rect">
+            <a:avLst/>
+          </a:prstGeom>
+        </p:spPr>
+      </p:pic>
+      <p:pic>
+        <p:nvPicPr>
+          <p:cNvPr id="15" name="Picture 14">
+            <a:extLst>
+              <a:ext uri="{FF2B5EF4-FFF2-40B4-BE49-F238E27FC236}">
+                <a16:creationId xmlns:a16="http://schemas.microsoft.com/office/drawing/2014/main" id="{F2ECAC5A-D13E-974A-9BB5-46CC20A69F5F}"/>
+              </a:ext>
+            </a:extLst>
+          </p:cNvPr>
+          <p:cNvPicPr>
+            <a:picLocks noChangeAspect="1"/>
+          </p:cNvPicPr>
+          <p:nvPr/>
+        </p:nvPicPr>
+        <p:blipFill>
+          <a:blip r:embed="rId3"/>
+          <a:stretch>
+            <a:fillRect/>
+          </a:stretch>
+        </p:blipFill>
+        <p:spPr>
+          <a:xfrm>
+            <a:off x="7590674" y="225645"/>
+            <a:ext cx="4512605" cy="3384454"/>
+          </a:xfrm>
+          <a:prstGeom prst="rect">
+            <a:avLst/>
+          </a:prstGeom>
+        </p:spPr>
+      </p:pic>
+    </p:spTree>
+    <p:extLst>
+      <p:ext uri="{BB962C8B-B14F-4D97-AF65-F5344CB8AC3E}">
+        <p14:creationId xmlns:p14="http://schemas.microsoft.com/office/powerpoint/2010/main" val="2185264583"/>
+      </p:ext>
+    </p:extLst>
+  </p:cSld>
+  <p:clrMapOvr>
+    <a:masterClrMapping/>
+  </p:clrMapOvr>
+</p:sld>
+</file>
+
+<file path=ppt/slides/slide9.xml><?xml version="1.0" encoding="utf-8"?>
+<p:sld xmlns:a="http://schemas.openxmlformats.org/drawingml/2006/main" xmlns:r="http://schemas.openxmlformats.org/officeDocument/2006/relationships" xmlns:p="http://schemas.openxmlformats.org/presentationml/2006/main">
+  <p:cSld>
+    <p:spTree>
+      <p:nvGrpSpPr>
+        <p:cNvPr id="1" name=""/>
+        <p:cNvGrpSpPr/>
+        <p:nvPr/>
+      </p:nvGrpSpPr>
+      <p:grpSpPr>
+        <a:xfrm>
+          <a:off x="0" y="0"/>
+          <a:ext cx="0" cy="0"/>
+          <a:chOff x="0" y="0"/>
+          <a:chExt cx="0" cy="0"/>
+        </a:xfrm>
+      </p:grpSpPr>
+      <p:sp>
+        <p:nvSpPr>
+          <p:cNvPr id="9" name="Oval 8">
+            <a:extLst>
+              <a:ext uri="{FF2B5EF4-FFF2-40B4-BE49-F238E27FC236}">
+                <a16:creationId xmlns:a16="http://schemas.microsoft.com/office/drawing/2014/main" id="{F2516D49-1DD7-8940-9032-78529944DC50}"/>
+              </a:ext>
+            </a:extLst>
+          </p:cNvPr>
+          <p:cNvSpPr/>
+          <p:nvPr/>
+        </p:nvSpPr>
+        <p:spPr>
+          <a:xfrm>
+            <a:off x="4592111" y="2562501"/>
+            <a:ext cx="3010621" cy="2371765"/>
+          </a:xfrm>
+          <a:prstGeom prst="ellipse">
+            <a:avLst/>
+          </a:prstGeom>
+          <a:solidFill>
+            <a:schemeClr val="accent4">
+              <a:lumMod val="60000"/>
+              <a:lumOff val="40000"/>
+              <a:alpha val="79000"/>
+            </a:schemeClr>
+          </a:solidFill>
+          <a:ln>
+            <a:noFill/>
+          </a:ln>
+        </p:spPr>
+        <p:style>
+          <a:lnRef idx="2">
+            <a:schemeClr val="accent1">
+              <a:shade val="50000"/>
+            </a:schemeClr>
+          </a:lnRef>
+          <a:fillRef idx="1">
+            <a:schemeClr val="accent1"/>
+          </a:fillRef>
+          <a:effectRef idx="0">
+            <a:schemeClr val="accent1"/>
+          </a:effectRef>
+          <a:fontRef idx="minor">
+            <a:schemeClr val="lt1"/>
+          </a:fontRef>
+        </p:style>
+        <p:txBody>
+          <a:bodyPr rtlCol="0" anchor="t"/>
+          <a:lstStyle/>
+          <a:p>
+            <a:pPr algn="ctr"/>
+            <a:r>
+              <a:rPr lang="en-US" sz="2900" b="1" dirty="0">
+                <a:solidFill>
+                  <a:schemeClr val="tx1"/>
+                </a:solidFill>
+              </a:rPr>
+              <a:t>Information Science</a:t>
+            </a:r>
+          </a:p>
+        </p:txBody>
+      </p:sp>
+      <p:sp>
+        <p:nvSpPr>
+          <p:cNvPr id="8" name="Oval 7">
+            <a:extLst>
+              <a:ext uri="{FF2B5EF4-FFF2-40B4-BE49-F238E27FC236}">
+                <a16:creationId xmlns:a16="http://schemas.microsoft.com/office/drawing/2014/main" id="{A7AEC8CB-A865-0B44-96C3-06CAB6351B3B}"/>
+              </a:ext>
+            </a:extLst>
+          </p:cNvPr>
+          <p:cNvSpPr/>
+          <p:nvPr/>
+        </p:nvSpPr>
+        <p:spPr>
+          <a:xfrm>
+            <a:off x="4880290" y="4518188"/>
+            <a:ext cx="2434265" cy="2313633"/>
+          </a:xfrm>
+          <a:prstGeom prst="ellipse">
+            <a:avLst/>
+          </a:prstGeom>
+          <a:solidFill>
+            <a:schemeClr val="bg2">
+              <a:lumMod val="50000"/>
+              <a:alpha val="53000"/>
+            </a:schemeClr>
+          </a:solidFill>
+          <a:ln>
+            <a:noFill/>
+          </a:ln>
+        </p:spPr>
+        <p:style>
+          <a:lnRef idx="2">
+            <a:schemeClr val="accent1">
+              <a:shade val="50000"/>
+            </a:schemeClr>
+          </a:lnRef>
+          <a:fillRef idx="1">
+            <a:schemeClr val="accent1"/>
+          </a:fillRef>
+          <a:effectRef idx="0">
+            <a:schemeClr val="accent1"/>
+          </a:effectRef>
+          <a:fontRef idx="minor">
+            <a:schemeClr val="lt1"/>
+          </a:fontRef>
+        </p:style>
+        <p:txBody>
+          <a:bodyPr rtlCol="0" anchor="b"/>
+          <a:lstStyle/>
+          <a:p>
+            <a:pPr algn="ctr"/>
+            <a:endParaRPr lang="en-US" sz="3300" b="1" dirty="0">
+              <a:solidFill>
+                <a:schemeClr val="tx1"/>
+              </a:solidFill>
+            </a:endParaRPr>
+          </a:p>
+          <a:p>
+            <a:pPr algn="ctr"/>
+            <a:endParaRPr lang="en-US" sz="3300" b="1" dirty="0">
+              <a:solidFill>
+                <a:schemeClr val="tx1"/>
+              </a:solidFill>
+            </a:endParaRPr>
+          </a:p>
+          <a:p>
+            <a:pPr algn="ctr"/>
+            <a:endParaRPr lang="en-US" sz="3300" b="1" dirty="0">
+              <a:solidFill>
+                <a:schemeClr val="tx1"/>
+              </a:solidFill>
+            </a:endParaRPr>
+          </a:p>
+          <a:p>
+            <a:pPr algn="ctr"/>
+            <a:r>
+              <a:rPr lang="en-US" sz="2900" b="1" dirty="0">
+                <a:solidFill>
+                  <a:schemeClr val="tx1"/>
+                </a:solidFill>
+              </a:rPr>
+              <a:t>Avian Ecology</a:t>
+            </a:r>
+          </a:p>
+        </p:txBody>
+      </p:sp>
+      <p:sp>
+        <p:nvSpPr>
+          <p:cNvPr id="5" name="Oval 4">
+            <a:extLst>
+              <a:ext uri="{FF2B5EF4-FFF2-40B4-BE49-F238E27FC236}">
+                <a16:creationId xmlns:a16="http://schemas.microsoft.com/office/drawing/2014/main" id="{FF51D7BD-E0E2-E048-8789-A8C4A0AC1CCF}"/>
+              </a:ext>
+            </a:extLst>
+          </p:cNvPr>
+          <p:cNvSpPr/>
+          <p:nvPr/>
+        </p:nvSpPr>
+        <p:spPr>
+          <a:xfrm>
+            <a:off x="2828925" y="3748387"/>
+            <a:ext cx="3147562" cy="2160385"/>
+          </a:xfrm>
+          <a:prstGeom prst="ellipse">
+            <a:avLst/>
+          </a:prstGeom>
+          <a:solidFill>
+            <a:schemeClr val="accent1">
+              <a:alpha val="53000"/>
+            </a:schemeClr>
+          </a:solidFill>
+          <a:ln>
+            <a:noFill/>
+          </a:ln>
+        </p:spPr>
+        <p:style>
+          <a:lnRef idx="2">
+            <a:schemeClr val="accent1">
+              <a:shade val="50000"/>
+            </a:schemeClr>
+          </a:lnRef>
+          <a:fillRef idx="1">
+            <a:schemeClr val="accent1"/>
+          </a:fillRef>
+          <a:effectRef idx="0">
+            <a:schemeClr val="accent1"/>
+          </a:effectRef>
+          <a:fontRef idx="minor">
+            <a:schemeClr val="lt1"/>
+          </a:fontRef>
+        </p:style>
+        <p:txBody>
+          <a:bodyPr rtlCol="0" anchor="ctr"/>
+          <a:lstStyle/>
+          <a:p>
+            <a:r>
+              <a:rPr lang="en-US" sz="2900" b="1" dirty="0">
+                <a:solidFill>
+                  <a:schemeClr val="tx1"/>
+                </a:solidFill>
+              </a:rPr>
+              <a:t>Ecological Modelling</a:t>
+            </a:r>
+          </a:p>
+        </p:txBody>
+      </p:sp>
+      <p:sp>
+        <p:nvSpPr>
+          <p:cNvPr id="7" name="Oval 6">
+            <a:extLst>
+              <a:ext uri="{FF2B5EF4-FFF2-40B4-BE49-F238E27FC236}">
+                <a16:creationId xmlns:a16="http://schemas.microsoft.com/office/drawing/2014/main" id="{26EEBC18-415E-604D-9FCA-81C6EF7F6055}"/>
+              </a:ext>
+            </a:extLst>
+          </p:cNvPr>
+          <p:cNvSpPr/>
+          <p:nvPr/>
+        </p:nvSpPr>
+        <p:spPr>
+          <a:xfrm>
+            <a:off x="5965911" y="3690257"/>
+            <a:ext cx="3249527" cy="2160384"/>
+          </a:xfrm>
+          <a:prstGeom prst="ellipse">
+            <a:avLst/>
+          </a:prstGeom>
+          <a:solidFill>
+            <a:schemeClr val="accent6">
+              <a:lumMod val="50000"/>
+              <a:alpha val="53000"/>
+            </a:schemeClr>
+          </a:solidFill>
+          <a:ln>
+            <a:noFill/>
+          </a:ln>
+        </p:spPr>
+        <p:style>
+          <a:lnRef idx="2">
+            <a:schemeClr val="accent1">
+              <a:shade val="50000"/>
+            </a:schemeClr>
+          </a:lnRef>
+          <a:fillRef idx="1">
+            <a:schemeClr val="accent1"/>
+          </a:fillRef>
+          <a:effectRef idx="0">
+            <a:schemeClr val="accent1"/>
+          </a:effectRef>
+          <a:fontRef idx="minor">
+            <a:schemeClr val="lt1"/>
+          </a:fontRef>
+        </p:style>
+        <p:txBody>
+          <a:bodyPr rtlCol="0" anchor="ctr"/>
+          <a:lstStyle/>
+          <a:p>
+            <a:pPr algn="r"/>
+            <a:r>
+              <a:rPr lang="en-US" sz="2900" b="1" dirty="0">
+                <a:solidFill>
+                  <a:schemeClr val="tx1"/>
+                </a:solidFill>
+              </a:rPr>
+              <a:t>Invasion Ecology</a:t>
+            </a:r>
+          </a:p>
+        </p:txBody>
+      </p:sp>
+    </p:spTree>
+    <p:extLst>
+      <p:ext uri="{BB962C8B-B14F-4D97-AF65-F5344CB8AC3E}">
+        <p14:creationId xmlns:p14="http://schemas.microsoft.com/office/powerpoint/2010/main" val="3854227642"/>
       </p:ext>
     </p:extLst>
   </p:cSld>
